--- a/Documentation/Reports and Papers/Bolen_NWBS_2021/Bolen_NWBS_2021.pptx
+++ b/Documentation/Reports and Papers/Bolen_NWBS_2021/Bolen_NWBS_2021.pptx
@@ -417,7 +417,7 @@
           <a:p>
             <a:fld id="{7B21A8F8-12FB-9047-986D-A7D2219D88A2}" type="datetimeFigureOut">
               <a:rPr lang="en-US" smtClean="0"/>
-              <a:t>7/9/2021</a:t>
+              <a:t>7/12/2021</a:t>
             </a:fld>
             <a:endParaRPr lang="en-US"/>
           </a:p>
@@ -580,7 +580,7 @@
           <a:p>
             <a:fld id="{7B21A8F8-12FB-9047-986D-A7D2219D88A2}" type="datetimeFigureOut">
               <a:rPr lang="en-US" smtClean="0"/>
-              <a:t>7/9/2021</a:t>
+              <a:t>7/12/2021</a:t>
             </a:fld>
             <a:endParaRPr lang="en-US"/>
           </a:p>
@@ -753,7 +753,7 @@
           <a:p>
             <a:fld id="{7B21A8F8-12FB-9047-986D-A7D2219D88A2}" type="datetimeFigureOut">
               <a:rPr lang="en-US" smtClean="0"/>
-              <a:t>7/9/2021</a:t>
+              <a:t>7/12/2021</a:t>
             </a:fld>
             <a:endParaRPr lang="en-US"/>
           </a:p>
@@ -916,7 +916,7 @@
           <a:p>
             <a:fld id="{7B21A8F8-12FB-9047-986D-A7D2219D88A2}" type="datetimeFigureOut">
               <a:rPr lang="en-US" smtClean="0"/>
-              <a:t>7/9/2021</a:t>
+              <a:t>7/12/2021</a:t>
             </a:fld>
             <a:endParaRPr lang="en-US"/>
           </a:p>
@@ -1156,7 +1156,7 @@
           <a:p>
             <a:fld id="{7B21A8F8-12FB-9047-986D-A7D2219D88A2}" type="datetimeFigureOut">
               <a:rPr lang="en-US" smtClean="0"/>
-              <a:t>7/9/2021</a:t>
+              <a:t>7/12/2021</a:t>
             </a:fld>
             <a:endParaRPr lang="en-US"/>
           </a:p>
@@ -1436,7 +1436,7 @@
           <a:p>
             <a:fld id="{7B21A8F8-12FB-9047-986D-A7D2219D88A2}" type="datetimeFigureOut">
               <a:rPr lang="en-US" smtClean="0"/>
-              <a:t>7/9/2021</a:t>
+              <a:t>7/12/2021</a:t>
             </a:fld>
             <a:endParaRPr lang="en-US"/>
           </a:p>
@@ -1855,7 +1855,7 @@
           <a:p>
             <a:fld id="{7B21A8F8-12FB-9047-986D-A7D2219D88A2}" type="datetimeFigureOut">
               <a:rPr lang="en-US" smtClean="0"/>
-              <a:t>7/9/2021</a:t>
+              <a:t>7/12/2021</a:t>
             </a:fld>
             <a:endParaRPr lang="en-US"/>
           </a:p>
@@ -1967,7 +1967,7 @@
           <a:p>
             <a:fld id="{7B21A8F8-12FB-9047-986D-A7D2219D88A2}" type="datetimeFigureOut">
               <a:rPr lang="en-US" smtClean="0"/>
-              <a:t>7/9/2021</a:t>
+              <a:t>7/12/2021</a:t>
             </a:fld>
             <a:endParaRPr lang="en-US"/>
           </a:p>
@@ -2057,7 +2057,7 @@
           <a:p>
             <a:fld id="{7B21A8F8-12FB-9047-986D-A7D2219D88A2}" type="datetimeFigureOut">
               <a:rPr lang="en-US" smtClean="0"/>
-              <a:t>7/9/2021</a:t>
+              <a:t>7/12/2021</a:t>
             </a:fld>
             <a:endParaRPr lang="en-US"/>
           </a:p>
@@ -2327,7 +2327,7 @@
           <a:p>
             <a:fld id="{7B21A8F8-12FB-9047-986D-A7D2219D88A2}" type="datetimeFigureOut">
               <a:rPr lang="en-US" smtClean="0"/>
-              <a:t>7/9/2021</a:t>
+              <a:t>7/12/2021</a:t>
             </a:fld>
             <a:endParaRPr lang="en-US"/>
           </a:p>
@@ -2574,7 +2574,7 @@
           <a:p>
             <a:fld id="{7B21A8F8-12FB-9047-986D-A7D2219D88A2}" type="datetimeFigureOut">
               <a:rPr lang="en-US" smtClean="0"/>
-              <a:t>7/9/2021</a:t>
+              <a:t>7/12/2021</a:t>
             </a:fld>
             <a:endParaRPr lang="en-US"/>
           </a:p>
@@ -2780,7 +2780,7 @@
           <a:p>
             <a:fld id="{7B21A8F8-12FB-9047-986D-A7D2219D88A2}" type="datetimeFigureOut">
               <a:rPr lang="en-US" smtClean="0"/>
-              <a:t>7/9/2021</a:t>
+              <a:t>7/12/2021</a:t>
             </a:fld>
             <a:endParaRPr lang="en-US"/>
           </a:p>
@@ -3678,7 +3678,7 @@
           </p:cNvPicPr>
           <p:nvPr/>
         </p:nvPicPr>
-        <p:blipFill>
+        <p:blipFill rotWithShape="1">
           <a:blip r:embed="rId3">
             <a:extLst>
               <a:ext uri="{28A0092B-C50C-407E-A947-70E740481C1C}">
@@ -3686,15 +3686,13 @@
               </a:ext>
             </a:extLst>
           </a:blip>
-          <a:srcRect/>
-          <a:stretch>
-            <a:fillRect/>
-          </a:stretch>
+          <a:srcRect l="3105" b="23894"/>
+          <a:stretch/>
         </p:blipFill>
         <p:spPr bwMode="auto">
           <a:xfrm>
-            <a:off x="1512818" y="1942120"/>
-            <a:ext cx="12055724" cy="3674739"/>
+            <a:off x="1839880" y="1041351"/>
+            <a:ext cx="11681400" cy="2796701"/>
           </a:xfrm>
           <a:prstGeom prst="rect">
             <a:avLst/>
@@ -4076,7 +4074,7 @@
         </p:blipFill>
         <p:spPr bwMode="auto">
           <a:xfrm>
-            <a:off x="24245052" y="13604738"/>
+            <a:off x="24392537" y="13604738"/>
             <a:ext cx="11610798" cy="9361990"/>
           </a:xfrm>
           <a:prstGeom prst="rect">
@@ -4675,6 +4673,42 @@
           </a:p>
         </p:txBody>
       </p:sp>
+      <p:pic>
+        <p:nvPicPr>
+          <p:cNvPr id="10" name="Picture 9" descr="A picture containing text&#10;&#10;Description automatically generated">
+            <a:extLst>
+              <a:ext uri="{FF2B5EF4-FFF2-40B4-BE49-F238E27FC236}">
+                <a16:creationId xmlns:a16="http://schemas.microsoft.com/office/drawing/2014/main" id="{5FD4630B-792E-430D-A152-6A5891E482A3}"/>
+              </a:ext>
+            </a:extLst>
+          </p:cNvPr>
+          <p:cNvPicPr>
+            <a:picLocks noChangeAspect="1"/>
+          </p:cNvPicPr>
+          <p:nvPr/>
+        </p:nvPicPr>
+        <p:blipFill>
+          <a:blip r:embed="rId7">
+            <a:extLst>
+              <a:ext uri="{28A0092B-C50C-407E-A947-70E740481C1C}">
+                <a14:useLocalDpi xmlns:a14="http://schemas.microsoft.com/office/drawing/2010/main" val="0"/>
+              </a:ext>
+            </a:extLst>
+          </a:blip>
+          <a:stretch>
+            <a:fillRect/>
+          </a:stretch>
+        </p:blipFill>
+        <p:spPr>
+          <a:xfrm>
+            <a:off x="1764101" y="3779707"/>
+            <a:ext cx="11530020" cy="2306005"/>
+          </a:xfrm>
+          <a:prstGeom prst="rect">
+            <a:avLst/>
+          </a:prstGeom>
+        </p:spPr>
+      </p:pic>
     </p:spTree>
   </p:cSld>
   <p:clrMapOvr>

--- a/Documentation/Reports and Papers/Bolen_NWBS_2021/Bolen_NWBS_2021.pptx
+++ b/Documentation/Reports and Papers/Bolen_NWBS_2021/Bolen_NWBS_2021.pptx
@@ -417,7 +417,7 @@
           <a:p>
             <a:fld id="{7B21A8F8-12FB-9047-986D-A7D2219D88A2}" type="datetimeFigureOut">
               <a:rPr lang="en-US" smtClean="0"/>
-              <a:t>7/9/2021</a:t>
+              <a:t>7/12/2021</a:t>
             </a:fld>
             <a:endParaRPr lang="en-US"/>
           </a:p>
@@ -580,7 +580,7 @@
           <a:p>
             <a:fld id="{7B21A8F8-12FB-9047-986D-A7D2219D88A2}" type="datetimeFigureOut">
               <a:rPr lang="en-US" smtClean="0"/>
-              <a:t>7/9/2021</a:t>
+              <a:t>7/12/2021</a:t>
             </a:fld>
             <a:endParaRPr lang="en-US"/>
           </a:p>
@@ -753,7 +753,7 @@
           <a:p>
             <a:fld id="{7B21A8F8-12FB-9047-986D-A7D2219D88A2}" type="datetimeFigureOut">
               <a:rPr lang="en-US" smtClean="0"/>
-              <a:t>7/9/2021</a:t>
+              <a:t>7/12/2021</a:t>
             </a:fld>
             <a:endParaRPr lang="en-US"/>
           </a:p>
@@ -916,7 +916,7 @@
           <a:p>
             <a:fld id="{7B21A8F8-12FB-9047-986D-A7D2219D88A2}" type="datetimeFigureOut">
               <a:rPr lang="en-US" smtClean="0"/>
-              <a:t>7/9/2021</a:t>
+              <a:t>7/12/2021</a:t>
             </a:fld>
             <a:endParaRPr lang="en-US"/>
           </a:p>
@@ -1156,7 +1156,7 @@
           <a:p>
             <a:fld id="{7B21A8F8-12FB-9047-986D-A7D2219D88A2}" type="datetimeFigureOut">
               <a:rPr lang="en-US" smtClean="0"/>
-              <a:t>7/9/2021</a:t>
+              <a:t>7/12/2021</a:t>
             </a:fld>
             <a:endParaRPr lang="en-US"/>
           </a:p>
@@ -1436,7 +1436,7 @@
           <a:p>
             <a:fld id="{7B21A8F8-12FB-9047-986D-A7D2219D88A2}" type="datetimeFigureOut">
               <a:rPr lang="en-US" smtClean="0"/>
-              <a:t>7/9/2021</a:t>
+              <a:t>7/12/2021</a:t>
             </a:fld>
             <a:endParaRPr lang="en-US"/>
           </a:p>
@@ -1855,7 +1855,7 @@
           <a:p>
             <a:fld id="{7B21A8F8-12FB-9047-986D-A7D2219D88A2}" type="datetimeFigureOut">
               <a:rPr lang="en-US" smtClean="0"/>
-              <a:t>7/9/2021</a:t>
+              <a:t>7/12/2021</a:t>
             </a:fld>
             <a:endParaRPr lang="en-US"/>
           </a:p>
@@ -1967,7 +1967,7 @@
           <a:p>
             <a:fld id="{7B21A8F8-12FB-9047-986D-A7D2219D88A2}" type="datetimeFigureOut">
               <a:rPr lang="en-US" smtClean="0"/>
-              <a:t>7/9/2021</a:t>
+              <a:t>7/12/2021</a:t>
             </a:fld>
             <a:endParaRPr lang="en-US"/>
           </a:p>
@@ -2057,7 +2057,7 @@
           <a:p>
             <a:fld id="{7B21A8F8-12FB-9047-986D-A7D2219D88A2}" type="datetimeFigureOut">
               <a:rPr lang="en-US" smtClean="0"/>
-              <a:t>7/9/2021</a:t>
+              <a:t>7/12/2021</a:t>
             </a:fld>
             <a:endParaRPr lang="en-US"/>
           </a:p>
@@ -2327,7 +2327,7 @@
           <a:p>
             <a:fld id="{7B21A8F8-12FB-9047-986D-A7D2219D88A2}" type="datetimeFigureOut">
               <a:rPr lang="en-US" smtClean="0"/>
-              <a:t>7/9/2021</a:t>
+              <a:t>7/12/2021</a:t>
             </a:fld>
             <a:endParaRPr lang="en-US"/>
           </a:p>
@@ -2574,7 +2574,7 @@
           <a:p>
             <a:fld id="{7B21A8F8-12FB-9047-986D-A7D2219D88A2}" type="datetimeFigureOut">
               <a:rPr lang="en-US" smtClean="0"/>
-              <a:t>7/9/2021</a:t>
+              <a:t>7/12/2021</a:t>
             </a:fld>
             <a:endParaRPr lang="en-US"/>
           </a:p>
@@ -2780,7 +2780,7 @@
           <a:p>
             <a:fld id="{7B21A8F8-12FB-9047-986D-A7D2219D88A2}" type="datetimeFigureOut">
               <a:rPr lang="en-US" smtClean="0"/>
-              <a:t>7/9/2021</a:t>
+              <a:t>7/12/2021</a:t>
             </a:fld>
             <a:endParaRPr lang="en-US"/>
           </a:p>
@@ -3399,48 +3399,8 @@
         </p:nvCxnSpPr>
         <p:spPr>
           <a:xfrm rot="16200000" flipH="1">
-            <a:off x="-1227517" y="21118292"/>
+            <a:off x="-3439919" y="21118292"/>
             <a:ext cx="28305884" cy="2"/>
-          </a:xfrm>
-          <a:prstGeom prst="line">
-            <a:avLst/>
-          </a:prstGeom>
-          <a:ln w="50800" cap="flat" cmpd="sng" algn="ctr">
-            <a:solidFill>
-              <a:srgbClr val="6290C2"/>
-            </a:solidFill>
-            <a:prstDash val="solid"/>
-            <a:round/>
-            <a:headEnd type="none" w="med" len="med"/>
-            <a:tailEnd type="none" w="med" len="med"/>
-          </a:ln>
-          <a:effectLst/>
-        </p:spPr>
-        <p:style>
-          <a:lnRef idx="2">
-            <a:schemeClr val="accent1"/>
-          </a:lnRef>
-          <a:fillRef idx="0">
-            <a:schemeClr val="accent1"/>
-          </a:fillRef>
-          <a:effectRef idx="1">
-            <a:schemeClr val="accent1"/>
-          </a:effectRef>
-          <a:fontRef idx="minor">
-            <a:schemeClr val="tx1"/>
-          </a:fontRef>
-        </p:style>
-      </p:cxnSp>
-      <p:cxnSp>
-        <p:nvCxnSpPr>
-          <p:cNvPr id="16" name="Straight Connector 15"/>
-          <p:cNvCxnSpPr/>
-          <p:nvPr/>
-        </p:nvCxnSpPr>
-        <p:spPr>
-          <a:xfrm rot="5400000">
-            <a:off x="10535864" y="21118290"/>
-            <a:ext cx="28305884" cy="1512"/>
           </a:xfrm>
           <a:prstGeom prst="line">
             <a:avLst/>
@@ -3474,13 +3434,15 @@
       <p:cxnSp>
         <p:nvCxnSpPr>
           <p:cNvPr id="17" name="Straight Connector 16"/>
-          <p:cNvCxnSpPr/>
+          <p:cNvCxnSpPr>
+            <a:cxnSpLocks/>
+          </p:cNvCxnSpPr>
           <p:nvPr/>
         </p:nvCxnSpPr>
         <p:spPr>
-          <a:xfrm rot="5400000">
-            <a:off x="22291670" y="21118294"/>
-            <a:ext cx="28305886" cy="1514"/>
+          <a:xfrm>
+            <a:off x="11230650" y="23336364"/>
+            <a:ext cx="25694907" cy="0"/>
           </a:xfrm>
           <a:prstGeom prst="line">
             <a:avLst/>
@@ -3560,7 +3522,7 @@
         <p:spPr>
           <a:xfrm>
             <a:off x="1608061" y="6966105"/>
-            <a:ext cx="10885714" cy="19315179"/>
+            <a:ext cx="8750552" cy="15314083"/>
           </a:xfrm>
           <a:prstGeom prst="rect">
             <a:avLst/>
@@ -3600,14 +3562,14 @@
               </a:tabLst>
             </a:pPr>
             <a:r>
-              <a:rPr lang="en-GB" sz="4400" dirty="0">
+              <a:rPr lang="en-GB" sz="3400" dirty="0">
                 <a:latin typeface="Times New Roman" panose="02020603050405020304" pitchFamily="18" charset="0"/>
                 <a:ea typeface="Times New Roman" panose="02020603050405020304" pitchFamily="18" charset="0"/>
                 <a:cs typeface="Times New Roman" panose="02020603050405020304" pitchFamily="18" charset="0"/>
               </a:rPr>
               <a:t>Neural control of locomotion is a complex process of sensing, processing, and acting that is not well understood. Greater understanding necessitates modelling biomechanics and neural circuits, and investigating how interactions between the nervous system, the body, and the environment result in effective movement and behaviours. Some of our previous work [1] has been to design, from a biomechancial and engineering design approach,  a bipedal biomimetic humanoid robot that is actuated by Festo-brand braided pneumatic actuators (BPAs), or artificial muscles. BPAs can be used as artificial muscles because they have force-length curves grossly similar to real muscle, are compliant, and can only pull, not push.</a:t>
             </a:r>
-            <a:endParaRPr lang="en-US" sz="4400" dirty="0">
+            <a:endParaRPr lang="en-US" sz="3400" dirty="0">
               <a:latin typeface="Times" panose="02020603050405020304" pitchFamily="18" charset="0"/>
               <a:ea typeface="Times" panose="02020603050405020304" pitchFamily="18" charset="0"/>
               <a:cs typeface="Times New Roman" panose="02020603050405020304" pitchFamily="18" charset="0"/>
@@ -3620,14 +3582,14 @@
               </a:tabLst>
             </a:pPr>
             <a:r>
-              <a:rPr lang="en-GB" sz="4400" dirty="0">
+              <a:rPr lang="en-GB" sz="3400" dirty="0">
                 <a:latin typeface="Times New Roman" panose="02020603050405020304" pitchFamily="18" charset="0"/>
                 <a:ea typeface="Times New Roman" panose="02020603050405020304" pitchFamily="18" charset="0"/>
                 <a:cs typeface="Times New Roman" panose="02020603050405020304" pitchFamily="18" charset="0"/>
               </a:rPr>
               <a:t>	In our current work we build part of that robot (the knee, femur, and tibia), with uniarticular knee flexor and extensor BPAs, to test for the maximum isometric torque about the knee joint at various knee positions. We will compare the measured isometric torque values about the knee joint with the calculated theoretical values. </a:t>
             </a:r>
-            <a:endParaRPr lang="en-US" sz="4400" dirty="0">
+            <a:endParaRPr lang="en-US" sz="3400" dirty="0">
               <a:latin typeface="Times" panose="02020603050405020304" pitchFamily="18" charset="0"/>
               <a:ea typeface="Times" panose="02020603050405020304" pitchFamily="18" charset="0"/>
               <a:cs typeface="Times New Roman" panose="02020603050405020304" pitchFamily="18" charset="0"/>
@@ -3733,8 +3695,8 @@
         </p:blipFill>
         <p:spPr>
           <a:xfrm>
-            <a:off x="1563527" y="26419220"/>
-            <a:ext cx="11257644" cy="5125358"/>
+            <a:off x="37481905" y="19906117"/>
+            <a:ext cx="10429102" cy="4748141"/>
           </a:xfrm>
           <a:prstGeom prst="rect">
             <a:avLst/>
@@ -3755,8 +3717,8 @@
         </p:nvSpPr>
         <p:spPr>
           <a:xfrm>
-            <a:off x="13327767" y="7053426"/>
-            <a:ext cx="11257644" cy="18528149"/>
+            <a:off x="11322674" y="7053426"/>
+            <a:ext cx="13175428" cy="5632311"/>
           </a:xfrm>
           <a:prstGeom prst="rect">
             <a:avLst/>
@@ -3784,62 +3746,25 @@
           </a:p>
           <a:p>
             <a:r>
-              <a:rPr lang="en-US" sz="4400" dirty="0">
+              <a:rPr lang="en-US" sz="3400" dirty="0">
                 <a:latin typeface="Times New Roman" panose="02020603050405020304" pitchFamily="18" charset="0"/>
                 <a:cs typeface="Times New Roman" panose="02020603050405020304" pitchFamily="18" charset="0"/>
               </a:rPr>
               <a:t>The artificial leg consists of 3D printed bone components and two BPAs. One of the BPAs is configured as a knee flexor, and the other is a knee extensor muscle. The knee is a rotating and translating joint designed by Steele [2]. A CALT-100 kg force sensor is tied to the swing arm of the testing jig on one end and the tibia on the other end. The jig is positioned so that the sagittal plane of the leg is parallel with the floor to negate the effect of gravity. A winch is used to move and lock the swing arm so that the knee can be tested at different angles. Force data is collected from the force sensor using a load cell amplified, Arduino Due, and </a:t>
             </a:r>
             <a:r>
-              <a:rPr lang="en-US" sz="4400" dirty="0" err="1">
+              <a:rPr lang="en-US" sz="3400" dirty="0" err="1">
                 <a:latin typeface="Times New Roman" panose="02020603050405020304" pitchFamily="18" charset="0"/>
                 <a:cs typeface="Times New Roman" panose="02020603050405020304" pitchFamily="18" charset="0"/>
               </a:rPr>
               <a:t>Matlab</a:t>
             </a:r>
             <a:r>
-              <a:rPr lang="en-US" sz="4400" dirty="0">
+              <a:rPr lang="en-US" sz="3400" dirty="0">
                 <a:latin typeface="Times New Roman" panose="02020603050405020304" pitchFamily="18" charset="0"/>
                 <a:cs typeface="Times New Roman" panose="02020603050405020304" pitchFamily="18" charset="0"/>
               </a:rPr>
               <a:t> 2020b.</a:t>
-            </a:r>
-          </a:p>
-          <a:p>
-            <a:r>
-              <a:rPr lang="en-US" sz="4400" dirty="0">
-                <a:latin typeface="Times New Roman" panose="02020603050405020304" pitchFamily="18" charset="0"/>
-                <a:cs typeface="Times New Roman" panose="02020603050405020304" pitchFamily="18" charset="0"/>
-              </a:rPr>
-              <a:t>	Images of the test set up are taken with the rear camera of a Samsung Galaxy S10+. These images are then processed in </a:t>
-            </a:r>
-            <a:r>
-              <a:rPr lang="en-US" sz="4400" dirty="0" err="1">
-                <a:latin typeface="Times New Roman" panose="02020603050405020304" pitchFamily="18" charset="0"/>
-                <a:cs typeface="Times New Roman" panose="02020603050405020304" pitchFamily="18" charset="0"/>
-              </a:rPr>
-              <a:t>Hugin</a:t>
-            </a:r>
-            <a:r>
-              <a:rPr lang="en-US" sz="4400" dirty="0">
-                <a:latin typeface="Times New Roman" panose="02020603050405020304" pitchFamily="18" charset="0"/>
-                <a:cs typeface="Times New Roman" panose="02020603050405020304" pitchFamily="18" charset="0"/>
-              </a:rPr>
-              <a:t> to eliminate any perspective and barrel distortion. After this, FIJI (Fiji Is Just </a:t>
-            </a:r>
-            <a:r>
-              <a:rPr lang="en-US" sz="4400" dirty="0" err="1">
-                <a:latin typeface="Times New Roman" panose="02020603050405020304" pitchFamily="18" charset="0"/>
-                <a:cs typeface="Times New Roman" panose="02020603050405020304" pitchFamily="18" charset="0"/>
-              </a:rPr>
-              <a:t>Imagej</a:t>
-            </a:r>
-            <a:r>
-              <a:rPr lang="en-US" sz="4400" dirty="0">
-                <a:latin typeface="Times New Roman" panose="02020603050405020304" pitchFamily="18" charset="0"/>
-                <a:cs typeface="Times New Roman" panose="02020603050405020304" pitchFamily="18" charset="0"/>
-              </a:rPr>
-              <a:t>) is used to measure the angle of the knee, the moment arm length, and the angle of the force cell to the tibia. This information allows for the calculation of isometric force values. Theoretical isometric force and torque values are calculated in the same way as we laid out in our previous work [1].</a:t>
             </a:r>
           </a:p>
         </p:txBody>
@@ -3866,7 +3791,7 @@
         </p:blipFill>
         <p:spPr>
           <a:xfrm>
-            <a:off x="13245401" y="25605862"/>
+            <a:off x="11298224" y="12891777"/>
             <a:ext cx="11147533" cy="5938716"/>
           </a:xfrm>
           <a:prstGeom prst="rect">
@@ -3893,8 +3818,8 @@
         </p:nvSpPr>
         <p:spPr>
           <a:xfrm>
-            <a:off x="36706727" y="21207355"/>
-            <a:ext cx="11182392" cy="4985980"/>
+            <a:off x="37705040" y="25711819"/>
+            <a:ext cx="10184079" cy="3539430"/>
           </a:xfrm>
           <a:prstGeom prst="rect">
             <a:avLst/>
@@ -3933,7 +3858,7 @@
           <a:p>
             <a:pPr algn="just"/>
             <a:r>
-              <a:rPr lang="en-GB" sz="4400" dirty="0">
+              <a:rPr lang="en-GB" sz="3400" dirty="0">
                 <a:solidFill>
                   <a:srgbClr val="000000"/>
                 </a:solidFill>
@@ -3944,7 +3869,7 @@
               <a:t>NSF grant for </a:t>
             </a:r>
             <a:r>
-              <a:rPr lang="en-GB" sz="4400" dirty="0" err="1">
+              <a:rPr lang="en-GB" sz="3400" dirty="0" err="1">
                 <a:solidFill>
                   <a:srgbClr val="000000"/>
                 </a:solidFill>
@@ -3955,7 +3880,7 @@
               <a:t>NeuroNex</a:t>
             </a:r>
             <a:r>
-              <a:rPr lang="en-GB" sz="4400" dirty="0">
+              <a:rPr lang="en-GB" sz="3400" dirty="0">
                 <a:solidFill>
                   <a:srgbClr val="000000"/>
                 </a:solidFill>
@@ -3965,8 +3890,8 @@
               </a:rPr>
               <a:t>: C3NS #2015317</a:t>
             </a:r>
-            <a:endParaRPr lang="en-US" sz="4400" dirty="0">
-              <a:latin typeface="Times" panose="02020603050405020304" pitchFamily="18" charset="0"/>
+            <a:endParaRPr lang="en-US" sz="3400" dirty="0">
+              <a:latin typeface="Times New Roman" panose="02020603050405020304" pitchFamily="18" charset="0"/>
               <a:ea typeface="Times" panose="02020603050405020304" pitchFamily="18" charset="0"/>
               <a:cs typeface="Times New Roman" panose="02020603050405020304" pitchFamily="18" charset="0"/>
             </a:endParaRPr>
@@ -3974,7 +3899,7 @@
           <a:p>
             <a:pPr algn="just"/>
             <a:r>
-              <a:rPr lang="en-GB" sz="4400" dirty="0">
+              <a:rPr lang="en-GB" sz="3400" dirty="0">
                 <a:solidFill>
                   <a:srgbClr val="000000"/>
                 </a:solidFill>
@@ -3984,8 +3909,8 @@
               </a:rPr>
               <a:t> </a:t>
             </a:r>
-            <a:endParaRPr lang="en-US" sz="4400" dirty="0">
-              <a:latin typeface="Times" panose="02020603050405020304" pitchFamily="18" charset="0"/>
+            <a:endParaRPr lang="en-US" sz="3400" dirty="0">
+              <a:latin typeface="Times New Roman" panose="02020603050405020304" pitchFamily="18" charset="0"/>
               <a:ea typeface="Times" panose="02020603050405020304" pitchFamily="18" charset="0"/>
               <a:cs typeface="Times New Roman" panose="02020603050405020304" pitchFamily="18" charset="0"/>
             </a:endParaRPr>
@@ -3993,7 +3918,7 @@
           <a:p>
             <a:pPr algn="just"/>
             <a:r>
-              <a:rPr lang="en-GB" sz="4400" dirty="0">
+              <a:rPr lang="en-GB" sz="3400" dirty="0">
                 <a:solidFill>
                   <a:srgbClr val="000000"/>
                 </a:solidFill>
@@ -4003,8 +3928,8 @@
               </a:rPr>
               <a:t>NIH BUILD EXITO grant numbers 5RL5GM118963-06,</a:t>
             </a:r>
-            <a:endParaRPr lang="en-US" sz="4400" dirty="0">
-              <a:latin typeface="Times" panose="02020603050405020304" pitchFamily="18" charset="0"/>
+            <a:endParaRPr lang="en-US" sz="3400" dirty="0">
+              <a:latin typeface="Times New Roman" panose="02020603050405020304" pitchFamily="18" charset="0"/>
               <a:ea typeface="Times" panose="02020603050405020304" pitchFamily="18" charset="0"/>
               <a:cs typeface="Times New Roman" panose="02020603050405020304" pitchFamily="18" charset="0"/>
             </a:endParaRPr>
@@ -4012,7 +3937,7 @@
           <a:p>
             <a:pPr algn="just"/>
             <a:r>
-              <a:rPr lang="en-GB" sz="4400" dirty="0">
+              <a:rPr lang="en-GB" sz="3400" dirty="0">
                 <a:solidFill>
                   <a:srgbClr val="000000"/>
                 </a:solidFill>
@@ -4022,8 +3947,8 @@
               </a:rPr>
               <a:t>5TL4GM118965-06, 5RL5GM118963-07, and</a:t>
             </a:r>
-            <a:endParaRPr lang="en-US" sz="4400" dirty="0">
-              <a:latin typeface="Times" panose="02020603050405020304" pitchFamily="18" charset="0"/>
+            <a:endParaRPr lang="en-US" sz="3400" dirty="0">
+              <a:latin typeface="Times New Roman" panose="02020603050405020304" pitchFamily="18" charset="0"/>
               <a:ea typeface="Times" panose="02020603050405020304" pitchFamily="18" charset="0"/>
               <a:cs typeface="Times New Roman" panose="02020603050405020304" pitchFamily="18" charset="0"/>
             </a:endParaRPr>
@@ -4031,7 +3956,7 @@
           <a:p>
             <a:pPr algn="just"/>
             <a:r>
-              <a:rPr lang="en-GB" sz="4400" dirty="0">
+              <a:rPr lang="en-GB" sz="3400" dirty="0">
                 <a:solidFill>
                   <a:srgbClr val="000000"/>
                 </a:solidFill>
@@ -4041,53 +3966,14 @@
               </a:rPr>
               <a:t>5TL4GM118965-07</a:t>
             </a:r>
-            <a:endParaRPr lang="en-US" sz="4400" dirty="0">
-              <a:latin typeface="Times" panose="02020603050405020304" pitchFamily="18" charset="0"/>
+            <a:endParaRPr lang="en-US" sz="3400" dirty="0">
+              <a:latin typeface="Times New Roman" panose="02020603050405020304" pitchFamily="18" charset="0"/>
               <a:ea typeface="Times" panose="02020603050405020304" pitchFamily="18" charset="0"/>
               <a:cs typeface="Times New Roman" panose="02020603050405020304" pitchFamily="18" charset="0"/>
             </a:endParaRPr>
           </a:p>
         </p:txBody>
       </p:sp>
-      <p:pic>
-        <p:nvPicPr>
-          <p:cNvPr id="39" name="Picture 38">
-            <a:extLst>
-              <a:ext uri="{FF2B5EF4-FFF2-40B4-BE49-F238E27FC236}">
-                <a16:creationId xmlns:a16="http://schemas.microsoft.com/office/drawing/2014/main" id="{BBF59850-AC65-441C-A634-DE93E73475E2}"/>
-              </a:ext>
-            </a:extLst>
-          </p:cNvPr>
-          <p:cNvPicPr>
-            <a:picLocks noChangeAspect="1"/>
-          </p:cNvPicPr>
-          <p:nvPr/>
-        </p:nvPicPr>
-        <p:blipFill rotWithShape="1">
-          <a:blip r:embed="rId6">
-            <a:extLst>
-              <a:ext uri="{28A0092B-C50C-407E-A947-70E740481C1C}">
-                <a14:useLocalDpi xmlns:a14="http://schemas.microsoft.com/office/drawing/2010/main" val="0"/>
-              </a:ext>
-            </a:extLst>
-          </a:blip>
-          <a:srcRect r="7034"/>
-          <a:stretch/>
-        </p:blipFill>
-        <p:spPr bwMode="auto">
-          <a:xfrm>
-            <a:off x="24245052" y="13604738"/>
-            <a:ext cx="11610798" cy="9361990"/>
-          </a:xfrm>
-          <a:prstGeom prst="rect">
-            <a:avLst/>
-          </a:prstGeom>
-          <a:noFill/>
-          <a:ln>
-            <a:noFill/>
-          </a:ln>
-        </p:spPr>
-      </p:pic>
       <p:sp>
         <p:nvSpPr>
           <p:cNvPr id="22" name="TextBox 21">
@@ -4102,8 +3988,8 @@
         </p:nvSpPr>
         <p:spPr>
           <a:xfrm>
-            <a:off x="36795656" y="26761966"/>
-            <a:ext cx="10642593" cy="8371523"/>
+            <a:off x="37705040" y="29595819"/>
+            <a:ext cx="9849847" cy="5355312"/>
           </a:xfrm>
           <a:prstGeom prst="rect">
             <a:avLst/>
@@ -4142,7 +4028,7 @@
           <a:p>
             <a:pPr algn="just"/>
             <a:r>
-              <a:rPr lang="en-GB" sz="4400" dirty="0">
+              <a:rPr lang="en-GB" sz="3200" dirty="0">
                 <a:solidFill>
                   <a:srgbClr val="000000"/>
                 </a:solidFill>
@@ -4152,7 +4038,7 @@
               </a:rPr>
               <a:t>1. Bolen, Ben P., and Alexander J. Hunt. "Determination of artificial muscle placement for biomimetic humanoid robot legs." Conference on Biomimetic and Biohybrid Systems. Springer, Cham, 2019.</a:t>
             </a:r>
-            <a:endParaRPr lang="en-US" sz="4400" dirty="0">
+            <a:endParaRPr lang="en-US" sz="3200" dirty="0">
               <a:latin typeface="Times New Roman" panose="02020603050405020304" pitchFamily="18" charset="0"/>
               <a:ea typeface="Times" panose="02020603050405020304" pitchFamily="18" charset="0"/>
               <a:cs typeface="Times New Roman" panose="02020603050405020304" pitchFamily="18" charset="0"/>
@@ -4161,7 +4047,7 @@
           <a:p>
             <a:pPr algn="just"/>
             <a:r>
-              <a:rPr lang="en-GB" sz="4400" dirty="0">
+              <a:rPr lang="en-GB" sz="3200" dirty="0">
                 <a:solidFill>
                   <a:srgbClr val="000000"/>
                 </a:solidFill>
@@ -4172,7 +4058,7 @@
               <a:t>2.  </a:t>
             </a:r>
             <a:r>
-              <a:rPr lang="en-GB" sz="4400" dirty="0">
+              <a:rPr lang="en-GB" sz="3200" dirty="0">
                 <a:latin typeface="Times New Roman" panose="02020603050405020304" pitchFamily="18" charset="0"/>
                 <a:ea typeface="Times" panose="02020603050405020304" pitchFamily="18" charset="0"/>
                 <a:cs typeface="Times New Roman" panose="02020603050405020304" pitchFamily="18" charset="0"/>
@@ -4180,7 +4066,7 @@
               <a:t>Steele, Alexander G., Alexander Hunt, and </a:t>
             </a:r>
             <a:r>
-              <a:rPr lang="en-GB" sz="4400" dirty="0" err="1">
+              <a:rPr lang="en-GB" sz="3200" dirty="0" err="1">
                 <a:latin typeface="Times New Roman" panose="02020603050405020304" pitchFamily="18" charset="0"/>
                 <a:ea typeface="Times" panose="02020603050405020304" pitchFamily="18" charset="0"/>
                 <a:cs typeface="Times New Roman" panose="02020603050405020304" pitchFamily="18" charset="0"/>
@@ -4188,7 +4074,7 @@
               <a:t>Appolinaire</a:t>
             </a:r>
             <a:r>
-              <a:rPr lang="en-GB" sz="4400" dirty="0">
+              <a:rPr lang="en-GB" sz="3200" dirty="0">
                 <a:latin typeface="Times New Roman" panose="02020603050405020304" pitchFamily="18" charset="0"/>
                 <a:ea typeface="Times" panose="02020603050405020304" pitchFamily="18" charset="0"/>
                 <a:cs typeface="Times New Roman" panose="02020603050405020304" pitchFamily="18" charset="0"/>
@@ -4196,7 +4082,7 @@
               <a:t> C. </a:t>
             </a:r>
             <a:r>
-              <a:rPr lang="en-GB" sz="4400" dirty="0" err="1">
+              <a:rPr lang="en-GB" sz="3200" dirty="0" err="1">
                 <a:latin typeface="Times New Roman" panose="02020603050405020304" pitchFamily="18" charset="0"/>
                 <a:ea typeface="Times" panose="02020603050405020304" pitchFamily="18" charset="0"/>
                 <a:cs typeface="Times New Roman" panose="02020603050405020304" pitchFamily="18" charset="0"/>
@@ -4204,14 +4090,14 @@
               <a:t>Etoundi</a:t>
             </a:r>
             <a:r>
-              <a:rPr lang="en-GB" sz="4400" dirty="0">
+              <a:rPr lang="en-GB" sz="3200" dirty="0">
                 <a:latin typeface="Times New Roman" panose="02020603050405020304" pitchFamily="18" charset="0"/>
                 <a:ea typeface="Times" panose="02020603050405020304" pitchFamily="18" charset="0"/>
                 <a:cs typeface="Times New Roman" panose="02020603050405020304" pitchFamily="18" charset="0"/>
               </a:rPr>
               <a:t>. "Biomimetic knee design to improve joint torque and life for bipedal robotics." Annual Conference Towards Autonomous Robotic Systems. Springer, Cham, 2018.</a:t>
             </a:r>
-            <a:endParaRPr lang="en-US" sz="18448" dirty="0"/>
+            <a:endParaRPr lang="en-US" sz="3200" dirty="0"/>
           </a:p>
         </p:txBody>
       </p:sp>
@@ -4229,8 +4115,8 @@
         </p:nvSpPr>
         <p:spPr>
           <a:xfrm>
-            <a:off x="13693657" y="31655614"/>
-            <a:ext cx="10230690" cy="3477875"/>
+            <a:off x="13244974" y="19033768"/>
+            <a:ext cx="5765953" cy="3754874"/>
           </a:xfrm>
           <a:prstGeom prst="rect">
             <a:avLst/>
@@ -4257,7 +4143,7 @@
               </a:spcAft>
             </a:pPr>
             <a:r>
-              <a:rPr lang="en-GB" sz="4400" b="1" dirty="0">
+              <a:rPr lang="en-GB" sz="3400" dirty="0">
                 <a:solidFill>
                   <a:srgbClr val="000000"/>
                 </a:solidFill>
@@ -4266,10 +4152,22 @@
                 <a:ea typeface="Times New Roman" panose="02020603050405020304" pitchFamily="18" charset="0"/>
                 <a:cs typeface="Times New Roman" panose="02020603050405020304" pitchFamily="18" charset="0"/>
               </a:rPr>
-              <a:t>Figure 2</a:t>
-            </a:r>
-            <a:r>
-              <a:rPr lang="en-GB" sz="4400" dirty="0">
+              <a:t>Artificial leg with </a:t>
+            </a:r>
+          </a:p>
+          <a:p>
+            <a:pPr marL="571500" marR="0" indent="-571500" algn="just">
+              <a:spcBef>
+                <a:spcPts val="0"/>
+              </a:spcBef>
+              <a:spcAft>
+                <a:spcPts val="0"/>
+              </a:spcAft>
+              <a:buFont typeface="Arial" panose="020B0604020202020204" pitchFamily="34" charset="0"/>
+              <a:buChar char="•"/>
+            </a:pPr>
+            <a:r>
+              <a:rPr lang="en-GB" sz="3400" dirty="0">
                 <a:solidFill>
                   <a:srgbClr val="000000"/>
                 </a:solidFill>
@@ -4278,57 +4176,22 @@
                 <a:ea typeface="Times New Roman" panose="02020603050405020304" pitchFamily="18" charset="0"/>
                 <a:cs typeface="Times New Roman" panose="02020603050405020304" pitchFamily="18" charset="0"/>
               </a:rPr>
-              <a:t>: Artificial leg with femur (A), knee (B), tibia (C), patella (D), knee flexor BPA (E), and knee extensor BPA (F). The picture shows the artificial leg set up to test for isometric torque from the knee flexor BPA.</a:t>
-            </a:r>
-            <a:endParaRPr lang="en-US" sz="4400" dirty="0">
-              <a:latin typeface="Times New Roman" panose="02020603050405020304" pitchFamily="18" charset="0"/>
-              <a:cs typeface="Times New Roman" panose="02020603050405020304" pitchFamily="18" charset="0"/>
-            </a:endParaRPr>
-          </a:p>
-        </p:txBody>
-      </p:sp>
-      <p:sp>
-        <p:nvSpPr>
-          <p:cNvPr id="41" name="TextBox 40">
-            <a:extLst>
-              <a:ext uri="{FF2B5EF4-FFF2-40B4-BE49-F238E27FC236}">
-                <a16:creationId xmlns:a16="http://schemas.microsoft.com/office/drawing/2014/main" id="{EAB89124-F97F-4F82-BE8D-07D7853B5FD9}"/>
-              </a:ext>
-            </a:extLst>
-          </p:cNvPr>
-          <p:cNvSpPr txBox="1"/>
-          <p:nvPr/>
-        </p:nvSpPr>
-        <p:spPr>
-          <a:xfrm>
-            <a:off x="1937851" y="31688425"/>
-            <a:ext cx="10230690" cy="3477875"/>
-          </a:xfrm>
-          <a:prstGeom prst="rect">
-            <a:avLst/>
-          </a:prstGeom>
-          <a:solidFill>
-            <a:schemeClr val="bg1">
-              <a:lumMod val="85000"/>
-            </a:schemeClr>
-          </a:solidFill>
-        </p:spPr>
-        <p:txBody>
-          <a:bodyPr wrap="square" rtlCol="0">
-            <a:spAutoFit/>
-          </a:bodyPr>
-          <a:lstStyle/>
-          <a:p>
-            <a:pPr marL="0" marR="0" algn="just">
+              <a:t>femur (A)</a:t>
+            </a:r>
+          </a:p>
+          <a:p>
+            <a:pPr marL="571500" marR="0" indent="-571500" algn="just">
               <a:spcBef>
                 <a:spcPts val="0"/>
               </a:spcBef>
               <a:spcAft>
                 <a:spcPts val="0"/>
               </a:spcAft>
+              <a:buFont typeface="Arial" panose="020B0604020202020204" pitchFamily="34" charset="0"/>
+              <a:buChar char="•"/>
             </a:pPr>
             <a:r>
-              <a:rPr lang="en-GB" sz="4400" b="1" dirty="0">
+              <a:rPr lang="en-GB" sz="3400" dirty="0">
                 <a:solidFill>
                   <a:srgbClr val="000000"/>
                 </a:solidFill>
@@ -4337,10 +4200,22 @@
                 <a:ea typeface="Times New Roman" panose="02020603050405020304" pitchFamily="18" charset="0"/>
                 <a:cs typeface="Times New Roman" panose="02020603050405020304" pitchFamily="18" charset="0"/>
               </a:rPr>
-              <a:t>Figure 1</a:t>
-            </a:r>
-            <a:r>
-              <a:rPr lang="en-GB" sz="4400" dirty="0">
+              <a:t>knee (B)</a:t>
+            </a:r>
+          </a:p>
+          <a:p>
+            <a:pPr marL="571500" marR="0" indent="-571500" algn="just">
+              <a:spcBef>
+                <a:spcPts val="0"/>
+              </a:spcBef>
+              <a:spcAft>
+                <a:spcPts val="0"/>
+              </a:spcAft>
+              <a:buFont typeface="Arial" panose="020B0604020202020204" pitchFamily="34" charset="0"/>
+              <a:buChar char="•"/>
+            </a:pPr>
+            <a:r>
+              <a:rPr lang="en-GB" sz="3400" dirty="0">
                 <a:solidFill>
                   <a:srgbClr val="000000"/>
                 </a:solidFill>
@@ -4349,9 +4224,81 @@
                 <a:ea typeface="Times New Roman" panose="02020603050405020304" pitchFamily="18" charset="0"/>
                 <a:cs typeface="Times New Roman" panose="02020603050405020304" pitchFamily="18" charset="0"/>
               </a:rPr>
-              <a:t>: Artificial leg with femur (A), knee (B), tibia (C), patella (D), knee flexor BPA (E), and knee extensor BPA (F). The picture shows the artificial leg set up to test for isometric torque from the knee flexor BPA.</a:t>
-            </a:r>
-            <a:endParaRPr lang="en-US" sz="4400" dirty="0">
+              <a:t>tibia (C)</a:t>
+            </a:r>
+          </a:p>
+          <a:p>
+            <a:pPr marL="571500" marR="0" indent="-571500" algn="just">
+              <a:spcBef>
+                <a:spcPts val="0"/>
+              </a:spcBef>
+              <a:spcAft>
+                <a:spcPts val="0"/>
+              </a:spcAft>
+              <a:buFont typeface="Arial" panose="020B0604020202020204" pitchFamily="34" charset="0"/>
+              <a:buChar char="•"/>
+            </a:pPr>
+            <a:r>
+              <a:rPr lang="en-GB" sz="3400" dirty="0">
+                <a:solidFill>
+                  <a:srgbClr val="000000"/>
+                </a:solidFill>
+                <a:effectLst/>
+                <a:latin typeface="Times New Roman" panose="02020603050405020304" pitchFamily="18" charset="0"/>
+                <a:ea typeface="Times New Roman" panose="02020603050405020304" pitchFamily="18" charset="0"/>
+                <a:cs typeface="Times New Roman" panose="02020603050405020304" pitchFamily="18" charset="0"/>
+              </a:rPr>
+              <a:t>patella (D)</a:t>
+            </a:r>
+          </a:p>
+          <a:p>
+            <a:pPr marL="571500" marR="0" indent="-571500" algn="just">
+              <a:spcBef>
+                <a:spcPts val="0"/>
+              </a:spcBef>
+              <a:spcAft>
+                <a:spcPts val="0"/>
+              </a:spcAft>
+              <a:buFont typeface="Arial" panose="020B0604020202020204" pitchFamily="34" charset="0"/>
+              <a:buChar char="•"/>
+            </a:pPr>
+            <a:r>
+              <a:rPr lang="en-GB" sz="3400" dirty="0">
+                <a:solidFill>
+                  <a:srgbClr val="000000"/>
+                </a:solidFill>
+                <a:effectLst/>
+                <a:latin typeface="Times New Roman" panose="02020603050405020304" pitchFamily="18" charset="0"/>
+                <a:ea typeface="Times New Roman" panose="02020603050405020304" pitchFamily="18" charset="0"/>
+                <a:cs typeface="Times New Roman" panose="02020603050405020304" pitchFamily="18" charset="0"/>
+              </a:rPr>
+              <a:t>knee flexor BPA (E)</a:t>
+            </a:r>
+          </a:p>
+          <a:p>
+            <a:pPr marL="571500" marR="0" indent="-571500" algn="just">
+              <a:spcBef>
+                <a:spcPts val="0"/>
+              </a:spcBef>
+              <a:spcAft>
+                <a:spcPts val="0"/>
+              </a:spcAft>
+              <a:buFont typeface="Arial" panose="020B0604020202020204" pitchFamily="34" charset="0"/>
+              <a:buChar char="•"/>
+            </a:pPr>
+            <a:r>
+              <a:rPr lang="en-GB" sz="3400" dirty="0">
+                <a:solidFill>
+                  <a:srgbClr val="000000"/>
+                </a:solidFill>
+                <a:effectLst/>
+                <a:latin typeface="Times New Roman" panose="02020603050405020304" pitchFamily="18" charset="0"/>
+                <a:ea typeface="Times New Roman" panose="02020603050405020304" pitchFamily="18" charset="0"/>
+                <a:cs typeface="Times New Roman" panose="02020603050405020304" pitchFamily="18" charset="0"/>
+              </a:rPr>
+              <a:t>knee extensor BPA (F)</a:t>
+            </a:r>
+            <a:endParaRPr lang="en-US" sz="3400" dirty="0">
               <a:latin typeface="Times New Roman" panose="02020603050405020304" pitchFamily="18" charset="0"/>
               <a:cs typeface="Times New Roman" panose="02020603050405020304" pitchFamily="18" charset="0"/>
             </a:endParaRPr>
@@ -4372,8 +4319,8 @@
         </p:nvSpPr>
         <p:spPr>
           <a:xfrm>
-            <a:off x="24984679" y="6966108"/>
-            <a:ext cx="11196306" cy="6340197"/>
+            <a:off x="11528523" y="24834148"/>
+            <a:ext cx="9214656" cy="9264075"/>
           </a:xfrm>
           <a:prstGeom prst="rect">
             <a:avLst/>
@@ -4431,7 +4378,7 @@
               </a:tabLst>
             </a:pPr>
             <a:r>
-              <a:rPr lang="en-GB" sz="4400" dirty="0">
+              <a:rPr lang="en-GB" sz="3400" dirty="0">
                 <a:solidFill>
                   <a:srgbClr val="000000"/>
                 </a:solidFill>
@@ -4442,101 +4389,7 @@
               </a:rPr>
               <a:t>The results show that the calculated and theoretical values for the BPAs are similar over their active range of motion. The muscle diameter and attachment locations do not allow for the isometric torque of the artificial muscle and human muscle to match in the current design configuration. This was predicted by the theoretical model.</a:t>
             </a:r>
-            <a:endParaRPr lang="en-US" sz="4400" dirty="0">
-              <a:effectLst/>
-              <a:latin typeface="Times" panose="02020603050405020304" pitchFamily="18" charset="0"/>
-              <a:ea typeface="Times" panose="02020603050405020304" pitchFamily="18" charset="0"/>
-              <a:cs typeface="Times New Roman" panose="02020603050405020304" pitchFamily="18" charset="0"/>
-            </a:endParaRPr>
-          </a:p>
-        </p:txBody>
-      </p:sp>
-      <p:sp>
-        <p:nvSpPr>
-          <p:cNvPr id="26" name="TextBox 25">
-            <a:extLst>
-              <a:ext uri="{FF2B5EF4-FFF2-40B4-BE49-F238E27FC236}">
-                <a16:creationId xmlns:a16="http://schemas.microsoft.com/office/drawing/2014/main" id="{7D074979-5539-4CB9-B94A-A2E063911E66}"/>
-              </a:ext>
-            </a:extLst>
-          </p:cNvPr>
-          <p:cNvSpPr txBox="1"/>
-          <p:nvPr/>
-        </p:nvSpPr>
-        <p:spPr>
-          <a:xfrm>
-            <a:off x="24950920" y="24762352"/>
-            <a:ext cx="10578281" cy="5509200"/>
-          </a:xfrm>
-          <a:prstGeom prst="rect">
-            <a:avLst/>
-          </a:prstGeom>
-          <a:solidFill>
-            <a:schemeClr val="accent2">
-              <a:lumMod val="20000"/>
-              <a:lumOff val="80000"/>
-            </a:schemeClr>
-          </a:solidFill>
-        </p:spPr>
-        <p:txBody>
-          <a:bodyPr wrap="square" rtlCol="0">
-            <a:spAutoFit/>
-          </a:bodyPr>
-          <a:lstStyle/>
-          <a:p>
-            <a:r>
-              <a:rPr lang="en-GB" sz="4400" dirty="0">
-                <a:solidFill>
-                  <a:srgbClr val="000000"/>
-                </a:solidFill>
-                <a:effectLst/>
-                <a:latin typeface="Times New Roman" panose="02020603050405020304" pitchFamily="18" charset="0"/>
-                <a:ea typeface="Times New Roman" panose="02020603050405020304" pitchFamily="18" charset="0"/>
-                <a:cs typeface="Times New Roman" panose="02020603050405020304" pitchFamily="18" charset="0"/>
-              </a:rPr>
-              <a:t>The results of these experiments help in better modelling and designing biomimetic humanoid robots. Future work will integrate these robots with neural controllers and feedback. Much of this current work revolves around humanoid robots but the results are broadly applicable to other biomimetic robots that use BPAs.</a:t>
-            </a:r>
-            <a:endParaRPr lang="en-US" sz="4400" dirty="0">
-              <a:effectLst/>
-              <a:latin typeface="Times" panose="02020603050405020304" pitchFamily="18" charset="0"/>
-              <a:ea typeface="Times" panose="02020603050405020304" pitchFamily="18" charset="0"/>
-              <a:cs typeface="Times New Roman" panose="02020603050405020304" pitchFamily="18" charset="0"/>
-            </a:endParaRPr>
-          </a:p>
-        </p:txBody>
-      </p:sp>
-      <p:sp>
-        <p:nvSpPr>
-          <p:cNvPr id="45" name="TextBox 44">
-            <a:extLst>
-              <a:ext uri="{FF2B5EF4-FFF2-40B4-BE49-F238E27FC236}">
-                <a16:creationId xmlns:a16="http://schemas.microsoft.com/office/drawing/2014/main" id="{83BBF07A-F87A-48C8-9DE5-1389C31A0458}"/>
-              </a:ext>
-            </a:extLst>
-          </p:cNvPr>
-          <p:cNvSpPr txBox="1"/>
-          <p:nvPr/>
-        </p:nvSpPr>
-        <p:spPr>
-          <a:xfrm>
-            <a:off x="25415411" y="23101006"/>
-            <a:ext cx="10230690" cy="1446550"/>
-          </a:xfrm>
-          <a:prstGeom prst="rect">
-            <a:avLst/>
-          </a:prstGeom>
-          <a:solidFill>
-            <a:schemeClr val="accent2">
-              <a:lumMod val="40000"/>
-              <a:lumOff val="60000"/>
-            </a:schemeClr>
-          </a:solidFill>
-        </p:spPr>
-        <p:txBody>
-          <a:bodyPr wrap="square" rtlCol="0">
-            <a:spAutoFit/>
-          </a:bodyPr>
-          <a:lstStyle/>
+          </a:p>
           <a:p>
             <a:pPr marL="0" marR="0" algn="just">
               <a:spcBef>
@@ -4549,8 +4402,23 @@
                 <a:tab pos="171450" algn="l"/>
               </a:tabLst>
             </a:pPr>
-            <a:r>
-              <a:rPr lang="en-GB" sz="4400" b="1" dirty="0">
+            <a:endParaRPr lang="en-GB" sz="3400" dirty="0">
+              <a:solidFill>
+                <a:srgbClr val="000000"/>
+              </a:solidFill>
+              <a:latin typeface="Times New Roman" panose="02020603050405020304" pitchFamily="18" charset="0"/>
+              <a:ea typeface="Times" panose="02020603050405020304" pitchFamily="18" charset="0"/>
+              <a:cs typeface="Times New Roman" panose="02020603050405020304" pitchFamily="18" charset="0"/>
+            </a:endParaRPr>
+          </a:p>
+          <a:p>
+            <a:pPr algn="just">
+              <a:tabLst>
+                <a:tab pos="171450" algn="l"/>
+              </a:tabLst>
+            </a:pPr>
+            <a:r>
+              <a:rPr lang="en-GB" sz="3400" dirty="0">
                 <a:solidFill>
                   <a:srgbClr val="000000"/>
                 </a:solidFill>
@@ -4559,87 +4427,13 @@
                 <a:ea typeface="Times New Roman" panose="02020603050405020304" pitchFamily="18" charset="0"/>
                 <a:cs typeface="Times New Roman" panose="02020603050405020304" pitchFamily="18" charset="0"/>
               </a:rPr>
-              <a:t>Figure 2</a:t>
-            </a:r>
-            <a:r>
-              <a:rPr lang="en-GB" sz="4400" dirty="0">
-                <a:solidFill>
-                  <a:srgbClr val="000000"/>
-                </a:solidFill>
-                <a:effectLst/>
-                <a:latin typeface="Times New Roman" panose="02020603050405020304" pitchFamily="18" charset="0"/>
-                <a:ea typeface="Times New Roman" panose="02020603050405020304" pitchFamily="18" charset="0"/>
-                <a:cs typeface="Times New Roman" panose="02020603050405020304" pitchFamily="18" charset="0"/>
-              </a:rPr>
-              <a:t>: Comparison of calculated, measured, and human knee torque values.</a:t>
-            </a:r>
-            <a:endParaRPr lang="en-US" sz="4800" dirty="0">
+              <a:t>The results of these experiments help in better modelling and designing biomimetic humanoid robots. Future work will integrate these robots with neural controllers and feedback. Much of this current work revolves around humanoid robots but the results are broadly applicable to other biomimetic robots that use BPAs.</a:t>
+            </a:r>
+            <a:endParaRPr lang="en-US" sz="3400" dirty="0">
               <a:effectLst/>
               <a:latin typeface="Times" panose="02020603050405020304" pitchFamily="18" charset="0"/>
               <a:ea typeface="Times" panose="02020603050405020304" pitchFamily="18" charset="0"/>
               <a:cs typeface="Times New Roman" panose="02020603050405020304" pitchFamily="18" charset="0"/>
-            </a:endParaRPr>
-          </a:p>
-        </p:txBody>
-      </p:sp>
-      <p:sp>
-        <p:nvSpPr>
-          <p:cNvPr id="34" name="TextBox 33">
-            <a:extLst>
-              <a:ext uri="{FF2B5EF4-FFF2-40B4-BE49-F238E27FC236}">
-                <a16:creationId xmlns:a16="http://schemas.microsoft.com/office/drawing/2014/main" id="{7FD920A3-5800-4F88-BF29-0E4ED3BD9FC6}"/>
-              </a:ext>
-            </a:extLst>
-          </p:cNvPr>
-          <p:cNvSpPr txBox="1"/>
-          <p:nvPr/>
-        </p:nvSpPr>
-        <p:spPr>
-          <a:xfrm>
-            <a:off x="36706727" y="6980181"/>
-            <a:ext cx="11053729" cy="4985980"/>
-          </a:xfrm>
-          <a:prstGeom prst="rect">
-            <a:avLst/>
-          </a:prstGeom>
-          <a:solidFill>
-            <a:schemeClr val="accent3">
-              <a:lumMod val="20000"/>
-              <a:lumOff val="80000"/>
-            </a:schemeClr>
-          </a:solidFill>
-        </p:spPr>
-        <p:txBody>
-          <a:bodyPr wrap="square" rtlCol="0">
-            <a:spAutoFit/>
-          </a:bodyPr>
-          <a:lstStyle/>
-          <a:p>
-            <a:pPr marL="0" marR="0" algn="just">
-              <a:spcBef>
-                <a:spcPts val="0"/>
-              </a:spcBef>
-              <a:spcAft>
-                <a:spcPts val="0"/>
-              </a:spcAft>
-            </a:pPr>
-            <a:r>
-              <a:rPr lang="en-GB" sz="5400" b="1" dirty="0">
-                <a:solidFill>
-                  <a:srgbClr val="000000"/>
-                </a:solidFill>
-                <a:effectLst/>
-                <a:latin typeface="Arial" panose="020B0604020202020204" pitchFamily="34" charset="0"/>
-                <a:ea typeface="Times New Roman" panose="02020603050405020304" pitchFamily="18" charset="0"/>
-                <a:cs typeface="Arial" panose="020B0604020202020204" pitchFamily="34" charset="0"/>
-              </a:rPr>
-              <a:t>Significance</a:t>
-            </a:r>
-            <a:endParaRPr lang="en-US" sz="5400" dirty="0">
-              <a:effectLst/>
-              <a:latin typeface="Arial" panose="020B0604020202020204" pitchFamily="34" charset="0"/>
-              <a:ea typeface="Times" panose="02020603050405020304" pitchFamily="18" charset="0"/>
-              <a:cs typeface="Arial" panose="020B0604020202020204" pitchFamily="34" charset="0"/>
             </a:endParaRPr>
           </a:p>
           <a:p>
@@ -4654,8 +4448,61 @@
                 <a:tab pos="171450" algn="l"/>
               </a:tabLst>
             </a:pPr>
-            <a:r>
-              <a:rPr lang="en-GB" sz="4400" dirty="0">
+            <a:endParaRPr lang="en-US" sz="3200" dirty="0">
+              <a:effectLst/>
+              <a:latin typeface="Times" panose="02020603050405020304" pitchFamily="18" charset="0"/>
+              <a:ea typeface="Times" panose="02020603050405020304" pitchFamily="18" charset="0"/>
+              <a:cs typeface="Times New Roman" panose="02020603050405020304" pitchFamily="18" charset="0"/>
+            </a:endParaRPr>
+          </a:p>
+        </p:txBody>
+      </p:sp>
+      <p:sp>
+        <p:nvSpPr>
+          <p:cNvPr id="45" name="TextBox 44">
+            <a:extLst>
+              <a:ext uri="{FF2B5EF4-FFF2-40B4-BE49-F238E27FC236}">
+                <a16:creationId xmlns:a16="http://schemas.microsoft.com/office/drawing/2014/main" id="{83BBF07A-F87A-48C8-9DE5-1389C31A0458}"/>
+              </a:ext>
+            </a:extLst>
+          </p:cNvPr>
+          <p:cNvSpPr txBox="1"/>
+          <p:nvPr/>
+        </p:nvSpPr>
+        <p:spPr>
+          <a:xfrm>
+            <a:off x="22783812" y="34098223"/>
+            <a:ext cx="13083153" cy="615553"/>
+          </a:xfrm>
+          <a:prstGeom prst="rect">
+            <a:avLst/>
+          </a:prstGeom>
+          <a:solidFill>
+            <a:schemeClr val="accent2">
+              <a:lumMod val="40000"/>
+              <a:lumOff val="60000"/>
+            </a:schemeClr>
+          </a:solidFill>
+        </p:spPr>
+        <p:txBody>
+          <a:bodyPr wrap="square" rtlCol="0">
+            <a:spAutoFit/>
+          </a:bodyPr>
+          <a:lstStyle/>
+          <a:p>
+            <a:pPr marL="0" marR="0" algn="just">
+              <a:spcBef>
+                <a:spcPts val="0"/>
+              </a:spcBef>
+              <a:spcAft>
+                <a:spcPts val="0"/>
+              </a:spcAft>
+              <a:tabLst>
+                <a:tab pos="171450" algn="l"/>
+              </a:tabLst>
+            </a:pPr>
+            <a:r>
+              <a:rPr lang="en-GB" sz="3400" dirty="0">
                 <a:solidFill>
                   <a:srgbClr val="000000"/>
                 </a:solidFill>
@@ -4664,9 +4511,9 @@
                 <a:ea typeface="Times New Roman" panose="02020603050405020304" pitchFamily="18" charset="0"/>
                 <a:cs typeface="Times New Roman" panose="02020603050405020304" pitchFamily="18" charset="0"/>
               </a:rPr>
-              <a:t>Now that there is an isometric test apparatus for BPA powered biomimetic robots, more testing can be done with other artificial muscle arrangements. Future works can also now be performed on different methods of measuring muscle moment arms. </a:t>
-            </a:r>
-            <a:endParaRPr lang="en-US" sz="4400" dirty="0">
+              <a:t>Comparison of calculated, measured, and human knee torque values.</a:t>
+            </a:r>
+            <a:endParaRPr lang="en-US" sz="3400" dirty="0">
               <a:effectLst/>
               <a:latin typeface="Times" panose="02020603050405020304" pitchFamily="18" charset="0"/>
               <a:ea typeface="Times" panose="02020603050405020304" pitchFamily="18" charset="0"/>
@@ -4675,6 +4522,693 @@
           </a:p>
         </p:txBody>
       </p:sp>
+      <p:sp>
+        <p:nvSpPr>
+          <p:cNvPr id="34" name="TextBox 33">
+            <a:extLst>
+              <a:ext uri="{FF2B5EF4-FFF2-40B4-BE49-F238E27FC236}">
+                <a16:creationId xmlns:a16="http://schemas.microsoft.com/office/drawing/2014/main" id="{7FD920A3-5800-4F88-BF29-0E4ED3BD9FC6}"/>
+              </a:ext>
+            </a:extLst>
+          </p:cNvPr>
+          <p:cNvSpPr txBox="1"/>
+          <p:nvPr/>
+        </p:nvSpPr>
+        <p:spPr>
+          <a:xfrm>
+            <a:off x="37339935" y="6980181"/>
+            <a:ext cx="10420521" cy="4585871"/>
+          </a:xfrm>
+          <a:prstGeom prst="rect">
+            <a:avLst/>
+          </a:prstGeom>
+          <a:solidFill>
+            <a:schemeClr val="accent3">
+              <a:lumMod val="20000"/>
+              <a:lumOff val="80000"/>
+            </a:schemeClr>
+          </a:solidFill>
+        </p:spPr>
+        <p:txBody>
+          <a:bodyPr wrap="square" rtlCol="0">
+            <a:spAutoFit/>
+          </a:bodyPr>
+          <a:lstStyle/>
+          <a:p>
+            <a:pPr marL="0" marR="0" algn="just">
+              <a:spcBef>
+                <a:spcPts val="0"/>
+              </a:spcBef>
+              <a:spcAft>
+                <a:spcPts val="0"/>
+              </a:spcAft>
+            </a:pPr>
+            <a:r>
+              <a:rPr lang="en-GB" sz="5400" b="1" dirty="0">
+                <a:solidFill>
+                  <a:srgbClr val="000000"/>
+                </a:solidFill>
+                <a:effectLst/>
+                <a:latin typeface="Arial" panose="020B0604020202020204" pitchFamily="34" charset="0"/>
+                <a:ea typeface="Times New Roman" panose="02020603050405020304" pitchFamily="18" charset="0"/>
+                <a:cs typeface="Arial" panose="020B0604020202020204" pitchFamily="34" charset="0"/>
+              </a:rPr>
+              <a:t>Significance</a:t>
+            </a:r>
+            <a:endParaRPr lang="en-US" sz="5400" dirty="0">
+              <a:effectLst/>
+              <a:latin typeface="Arial" panose="020B0604020202020204" pitchFamily="34" charset="0"/>
+              <a:ea typeface="Times" panose="02020603050405020304" pitchFamily="18" charset="0"/>
+              <a:cs typeface="Arial" panose="020B0604020202020204" pitchFamily="34" charset="0"/>
+            </a:endParaRPr>
+          </a:p>
+          <a:p>
+            <a:pPr marL="0" marR="0" algn="just">
+              <a:spcBef>
+                <a:spcPts val="0"/>
+              </a:spcBef>
+              <a:spcAft>
+                <a:spcPts val="0"/>
+              </a:spcAft>
+              <a:tabLst>
+                <a:tab pos="171450" algn="l"/>
+              </a:tabLst>
+            </a:pPr>
+            <a:r>
+              <a:rPr lang="en-GB" sz="3400" dirty="0">
+                <a:solidFill>
+                  <a:srgbClr val="000000"/>
+                </a:solidFill>
+                <a:effectLst/>
+                <a:latin typeface="Times New Roman" panose="02020603050405020304" pitchFamily="18" charset="0"/>
+                <a:ea typeface="Times New Roman" panose="02020603050405020304" pitchFamily="18" charset="0"/>
+                <a:cs typeface="Times New Roman" panose="02020603050405020304" pitchFamily="18" charset="0"/>
+              </a:rPr>
+              <a:t>Now that there is an isometric test apparatus for BPA powered biomimetic robots, more testing can be done with other artificial muscle arrangements. Future works can also now be performed on different methods of measuring muscle moment arms</a:t>
+            </a:r>
+            <a:r>
+              <a:rPr lang="en-GB" sz="3400" dirty="0">
+                <a:solidFill>
+                  <a:srgbClr val="000000"/>
+                </a:solidFill>
+                <a:latin typeface="Times New Roman" panose="02020603050405020304" pitchFamily="18" charset="0"/>
+                <a:ea typeface="Times New Roman" panose="02020603050405020304" pitchFamily="18" charset="0"/>
+                <a:cs typeface="Times New Roman" panose="02020603050405020304" pitchFamily="18" charset="0"/>
+              </a:rPr>
+              <a:t> (e.g. comparing the vector method  to the method that uses change in muscle length over change in joint angle.</a:t>
+            </a:r>
+            <a:endParaRPr lang="en-US" sz="3400" dirty="0">
+              <a:effectLst/>
+              <a:latin typeface="Times" panose="02020603050405020304" pitchFamily="18" charset="0"/>
+              <a:ea typeface="Times" panose="02020603050405020304" pitchFamily="18" charset="0"/>
+              <a:cs typeface="Times New Roman" panose="02020603050405020304" pitchFamily="18" charset="0"/>
+            </a:endParaRPr>
+          </a:p>
+        </p:txBody>
+      </p:sp>
+      <p:pic>
+        <p:nvPicPr>
+          <p:cNvPr id="14" name="Picture 2" descr="See the source image">
+            <a:extLst>
+              <a:ext uri="{FF2B5EF4-FFF2-40B4-BE49-F238E27FC236}">
+                <a16:creationId xmlns:a16="http://schemas.microsoft.com/office/drawing/2014/main" id="{5E00D1E2-F49C-47A3-A6E8-65981367945C}"/>
+              </a:ext>
+            </a:extLst>
+          </p:cNvPr>
+          <p:cNvPicPr>
+            <a:picLocks noChangeAspect="1" noChangeArrowheads="1"/>
+          </p:cNvPicPr>
+          <p:nvPr/>
+        </p:nvPicPr>
+        <p:blipFill>
+          <a:blip r:embed="rId6">
+            <a:extLst>
+              <a:ext uri="{28A0092B-C50C-407E-A947-70E740481C1C}">
+                <a14:useLocalDpi xmlns:a14="http://schemas.microsoft.com/office/drawing/2010/main" val="0"/>
+              </a:ext>
+            </a:extLst>
+          </a:blip>
+          <a:srcRect/>
+          <a:stretch>
+            <a:fillRect/>
+          </a:stretch>
+        </p:blipFill>
+        <p:spPr bwMode="auto">
+          <a:xfrm>
+            <a:off x="28944282" y="18586904"/>
+            <a:ext cx="7878028" cy="4610029"/>
+          </a:xfrm>
+          <a:prstGeom prst="rect">
+            <a:avLst/>
+          </a:prstGeom>
+          <a:noFill/>
+          <a:extLst>
+            <a:ext uri="{909E8E84-426E-40DD-AFC4-6F175D3DCCD1}">
+              <a14:hiddenFill xmlns:a14="http://schemas.microsoft.com/office/drawing/2010/main">
+                <a:solidFill>
+                  <a:srgbClr val="FFFFFF"/>
+                </a:solidFill>
+              </a14:hiddenFill>
+            </a:ext>
+          </a:extLst>
+        </p:spPr>
+      </p:pic>
+      <p:pic>
+        <p:nvPicPr>
+          <p:cNvPr id="1028" name="Picture 4" descr="See the source image">
+            <a:extLst>
+              <a:ext uri="{FF2B5EF4-FFF2-40B4-BE49-F238E27FC236}">
+                <a16:creationId xmlns:a16="http://schemas.microsoft.com/office/drawing/2014/main" id="{E6AB0F3A-9BEB-45D4-BF11-6A7A28DE4437}"/>
+              </a:ext>
+            </a:extLst>
+          </p:cNvPr>
+          <p:cNvPicPr>
+            <a:picLocks noChangeAspect="1" noChangeArrowheads="1"/>
+          </p:cNvPicPr>
+          <p:nvPr/>
+        </p:nvPicPr>
+        <p:blipFill>
+          <a:blip r:embed="rId7" cstate="email">
+            <a:extLst>
+              <a:ext uri="{28A0092B-C50C-407E-A947-70E740481C1C}">
+                <a14:useLocalDpi xmlns:a14="http://schemas.microsoft.com/office/drawing/2010/main" val="0"/>
+              </a:ext>
+            </a:extLst>
+          </a:blip>
+          <a:srcRect/>
+          <a:stretch>
+            <a:fillRect/>
+          </a:stretch>
+        </p:blipFill>
+        <p:spPr bwMode="auto">
+          <a:xfrm>
+            <a:off x="24282043" y="18790864"/>
+            <a:ext cx="4507399" cy="4507399"/>
+          </a:xfrm>
+          <a:prstGeom prst="rect">
+            <a:avLst/>
+          </a:prstGeom>
+          <a:noFill/>
+          <a:extLst>
+            <a:ext uri="{909E8E84-426E-40DD-AFC4-6F175D3DCCD1}">
+              <a14:hiddenFill xmlns:a14="http://schemas.microsoft.com/office/drawing/2010/main">
+                <a:solidFill>
+                  <a:srgbClr val="FFFFFF"/>
+                </a:solidFill>
+              </a14:hiddenFill>
+            </a:ext>
+          </a:extLst>
+        </p:spPr>
+      </p:pic>
+      <p:sp>
+        <p:nvSpPr>
+          <p:cNvPr id="43" name="TextBox 42">
+            <a:extLst>
+              <a:ext uri="{FF2B5EF4-FFF2-40B4-BE49-F238E27FC236}">
+                <a16:creationId xmlns:a16="http://schemas.microsoft.com/office/drawing/2014/main" id="{A73DA6F8-6F67-4BB7-A4BB-B6B9BB44F712}"/>
+              </a:ext>
+            </a:extLst>
+          </p:cNvPr>
+          <p:cNvSpPr txBox="1"/>
+          <p:nvPr/>
+        </p:nvSpPr>
+        <p:spPr>
+          <a:xfrm>
+            <a:off x="24692676" y="15489495"/>
+            <a:ext cx="10993799" cy="3231654"/>
+          </a:xfrm>
+          <a:prstGeom prst="rect">
+            <a:avLst/>
+          </a:prstGeom>
+          <a:solidFill>
+            <a:schemeClr val="accent5">
+              <a:lumMod val="20000"/>
+              <a:lumOff val="80000"/>
+            </a:schemeClr>
+          </a:solidFill>
+        </p:spPr>
+        <p:txBody>
+          <a:bodyPr wrap="square" rtlCol="0">
+            <a:spAutoFit/>
+          </a:bodyPr>
+          <a:lstStyle/>
+          <a:p>
+            <a:r>
+              <a:rPr lang="en-US" sz="3400" dirty="0">
+                <a:latin typeface="Times New Roman" panose="02020603050405020304" pitchFamily="18" charset="0"/>
+                <a:cs typeface="Times New Roman" panose="02020603050405020304" pitchFamily="18" charset="0"/>
+              </a:rPr>
+              <a:t>Images of the test set up are taken with the rear camera of a Samsung Galaxy S10+. These images are then processed in </a:t>
+            </a:r>
+            <a:r>
+              <a:rPr lang="en-US" sz="3400" dirty="0" err="1">
+                <a:latin typeface="Times New Roman" panose="02020603050405020304" pitchFamily="18" charset="0"/>
+                <a:cs typeface="Times New Roman" panose="02020603050405020304" pitchFamily="18" charset="0"/>
+              </a:rPr>
+              <a:t>Hugin</a:t>
+            </a:r>
+            <a:r>
+              <a:rPr lang="en-US" sz="3400" dirty="0">
+                <a:latin typeface="Times New Roman" panose="02020603050405020304" pitchFamily="18" charset="0"/>
+                <a:cs typeface="Times New Roman" panose="02020603050405020304" pitchFamily="18" charset="0"/>
+              </a:rPr>
+              <a:t> to eliminate any perspective and barrel distortion. After this, FIJI (Fiji Is Just </a:t>
+            </a:r>
+            <a:r>
+              <a:rPr lang="en-US" sz="3400" dirty="0" err="1">
+                <a:latin typeface="Times New Roman" panose="02020603050405020304" pitchFamily="18" charset="0"/>
+                <a:cs typeface="Times New Roman" panose="02020603050405020304" pitchFamily="18" charset="0"/>
+              </a:rPr>
+              <a:t>Imagej</a:t>
+            </a:r>
+            <a:r>
+              <a:rPr lang="en-US" sz="3400" dirty="0">
+                <a:latin typeface="Times New Roman" panose="02020603050405020304" pitchFamily="18" charset="0"/>
+                <a:cs typeface="Times New Roman" panose="02020603050405020304" pitchFamily="18" charset="0"/>
+              </a:rPr>
+              <a:t>) is used to measure the angle of the knee, the moment arm length, and the angle of the force cell to the tibia.</a:t>
+            </a:r>
+          </a:p>
+        </p:txBody>
+      </p:sp>
+      <p:cxnSp>
+        <p:nvCxnSpPr>
+          <p:cNvPr id="44" name="Straight Connector 43">
+            <a:extLst>
+              <a:ext uri="{FF2B5EF4-FFF2-40B4-BE49-F238E27FC236}">
+                <a16:creationId xmlns:a16="http://schemas.microsoft.com/office/drawing/2014/main" id="{AC8AFC91-CEFD-462C-BC19-64378EEA5073}"/>
+              </a:ext>
+            </a:extLst>
+          </p:cNvPr>
+          <p:cNvCxnSpPr/>
+          <p:nvPr/>
+        </p:nvCxnSpPr>
+        <p:spPr>
+          <a:xfrm rot="5400000">
+            <a:off x="22979803" y="21403696"/>
+            <a:ext cx="28305886" cy="1514"/>
+          </a:xfrm>
+          <a:prstGeom prst="line">
+            <a:avLst/>
+          </a:prstGeom>
+          <a:ln w="50800" cap="flat" cmpd="sng" algn="ctr">
+            <a:solidFill>
+              <a:srgbClr val="6290C2"/>
+            </a:solidFill>
+            <a:prstDash val="solid"/>
+            <a:round/>
+            <a:headEnd type="none" w="med" len="med"/>
+            <a:tailEnd type="none" w="med" len="med"/>
+          </a:ln>
+          <a:effectLst/>
+        </p:spPr>
+        <p:style>
+          <a:lnRef idx="2">
+            <a:schemeClr val="accent1"/>
+          </a:lnRef>
+          <a:fillRef idx="0">
+            <a:schemeClr val="accent1"/>
+          </a:fillRef>
+          <a:effectRef idx="1">
+            <a:schemeClr val="accent1"/>
+          </a:effectRef>
+          <a:fontRef idx="minor">
+            <a:schemeClr val="tx1"/>
+          </a:fontRef>
+        </p:style>
+      </p:cxnSp>
+      <p:pic>
+        <p:nvPicPr>
+          <p:cNvPr id="40" name="Picture 39">
+            <a:extLst>
+              <a:ext uri="{FF2B5EF4-FFF2-40B4-BE49-F238E27FC236}">
+                <a16:creationId xmlns:a16="http://schemas.microsoft.com/office/drawing/2014/main" id="{677E26C0-230D-420E-A8F3-8135B234AD98}"/>
+              </a:ext>
+            </a:extLst>
+          </p:cNvPr>
+          <p:cNvPicPr>
+            <a:picLocks noChangeAspect="1"/>
+          </p:cNvPicPr>
+          <p:nvPr/>
+        </p:nvPicPr>
+        <p:blipFill rotWithShape="1">
+          <a:blip r:embed="rId8"/>
+          <a:srcRect l="2021" r="6602"/>
+          <a:stretch/>
+        </p:blipFill>
+        <p:spPr>
+          <a:xfrm>
+            <a:off x="21163596" y="24138810"/>
+            <a:ext cx="15568385" cy="9264073"/>
+          </a:xfrm>
+          <a:prstGeom prst="rect">
+            <a:avLst/>
+          </a:prstGeom>
+        </p:spPr>
+      </p:pic>
+      <p:pic>
+        <p:nvPicPr>
+          <p:cNvPr id="47" name="Picture 46" descr="A picture containing text, dirty&#10;&#10;Description automatically generated">
+            <a:extLst>
+              <a:ext uri="{FF2B5EF4-FFF2-40B4-BE49-F238E27FC236}">
+                <a16:creationId xmlns:a16="http://schemas.microsoft.com/office/drawing/2014/main" id="{8B0C12ED-3840-4AC3-8F98-C72B54840CE8}"/>
+              </a:ext>
+            </a:extLst>
+          </p:cNvPr>
+          <p:cNvPicPr>
+            <a:picLocks noChangeAspect="1"/>
+          </p:cNvPicPr>
+          <p:nvPr/>
+        </p:nvPicPr>
+        <p:blipFill rotWithShape="1">
+          <a:blip r:embed="rId9" cstate="email">
+            <a:extLst>
+              <a:ext uri="{28A0092B-C50C-407E-A947-70E740481C1C}">
+                <a14:useLocalDpi xmlns:a14="http://schemas.microsoft.com/office/drawing/2010/main" val="0"/>
+              </a:ext>
+            </a:extLst>
+          </a:blip>
+          <a:srcRect t="29311" r="14827"/>
+          <a:stretch/>
+        </p:blipFill>
+        <p:spPr>
+          <a:xfrm rot="5400000">
+            <a:off x="-622149" y="24507251"/>
+            <a:ext cx="12413404" cy="7726888"/>
+          </a:xfrm>
+          <a:prstGeom prst="rect">
+            <a:avLst/>
+          </a:prstGeom>
+        </p:spPr>
+      </p:pic>
+      <p:sp>
+        <p:nvSpPr>
+          <p:cNvPr id="48" name="TextBox 47">
+            <a:extLst>
+              <a:ext uri="{FF2B5EF4-FFF2-40B4-BE49-F238E27FC236}">
+                <a16:creationId xmlns:a16="http://schemas.microsoft.com/office/drawing/2014/main" id="{4C8CB2BA-9FDC-4F46-95AA-047112E4856A}"/>
+              </a:ext>
+            </a:extLst>
+          </p:cNvPr>
+          <p:cNvSpPr txBox="1"/>
+          <p:nvPr/>
+        </p:nvSpPr>
+        <p:spPr>
+          <a:xfrm>
+            <a:off x="6448220" y="25412151"/>
+            <a:ext cx="4087597" cy="1925803"/>
+          </a:xfrm>
+          <a:prstGeom prst="rect">
+            <a:avLst/>
+          </a:prstGeom>
+          <a:solidFill>
+            <a:schemeClr val="bg1">
+              <a:lumMod val="85000"/>
+            </a:schemeClr>
+          </a:solidFill>
+        </p:spPr>
+        <p:txBody>
+          <a:bodyPr wrap="square" lIns="435429" tIns="435429" rIns="435429" bIns="435429" rtlCol="0">
+            <a:spAutoFit/>
+          </a:bodyPr>
+          <a:lstStyle/>
+          <a:p>
+            <a:pPr algn="just">
+              <a:tabLst>
+                <a:tab pos="326578" algn="l"/>
+              </a:tabLst>
+            </a:pPr>
+            <a:r>
+              <a:rPr lang="en-GB" sz="3400" dirty="0">
+                <a:latin typeface="Times New Roman" panose="02020603050405020304" pitchFamily="18" charset="0"/>
+                <a:ea typeface="Times" panose="02020603050405020304" pitchFamily="18" charset="0"/>
+                <a:cs typeface="Times New Roman" panose="02020603050405020304" pitchFamily="18" charset="0"/>
+              </a:rPr>
+              <a:t>Isometric Knee Torque test jig.</a:t>
+            </a:r>
+            <a:endParaRPr lang="en-US" sz="3400" dirty="0">
+              <a:latin typeface="Times" panose="02020603050405020304" pitchFamily="18" charset="0"/>
+              <a:ea typeface="Times" panose="02020603050405020304" pitchFamily="18" charset="0"/>
+              <a:cs typeface="Times New Roman" panose="02020603050405020304" pitchFamily="18" charset="0"/>
+            </a:endParaRPr>
+          </a:p>
+        </p:txBody>
+      </p:sp>
+      <p:pic>
+        <p:nvPicPr>
+          <p:cNvPr id="50" name="Picture 49" descr="A picture containing metalware, gear&#10;&#10;Description automatically generated">
+            <a:extLst>
+              <a:ext uri="{FF2B5EF4-FFF2-40B4-BE49-F238E27FC236}">
+                <a16:creationId xmlns:a16="http://schemas.microsoft.com/office/drawing/2014/main" id="{59698EDE-DE98-49F8-A90A-54FD491AD2A6}"/>
+              </a:ext>
+            </a:extLst>
+          </p:cNvPr>
+          <p:cNvPicPr>
+            <a:picLocks noChangeAspect="1"/>
+          </p:cNvPicPr>
+          <p:nvPr/>
+        </p:nvPicPr>
+        <p:blipFill rotWithShape="1">
+          <a:blip r:embed="rId10" cstate="email">
+            <a:extLst>
+              <a:ext uri="{28A0092B-C50C-407E-A947-70E740481C1C}">
+                <a14:useLocalDpi xmlns:a14="http://schemas.microsoft.com/office/drawing/2010/main" val="0"/>
+              </a:ext>
+            </a:extLst>
+          </a:blip>
+          <a:srcRect l="38620" t="16114"/>
+          <a:stretch/>
+        </p:blipFill>
+        <p:spPr>
+          <a:xfrm>
+            <a:off x="25886359" y="11299648"/>
+            <a:ext cx="4699287" cy="3611318"/>
+          </a:xfrm>
+          <a:prstGeom prst="rect">
+            <a:avLst/>
+          </a:prstGeom>
+        </p:spPr>
+      </p:pic>
+      <p:pic>
+        <p:nvPicPr>
+          <p:cNvPr id="52" name="Picture 51" descr="Graphical user interface, application&#10;&#10;Description automatically generated">
+            <a:extLst>
+              <a:ext uri="{FF2B5EF4-FFF2-40B4-BE49-F238E27FC236}">
+                <a16:creationId xmlns:a16="http://schemas.microsoft.com/office/drawing/2014/main" id="{35C60390-0801-48E7-A214-95E50D538D35}"/>
+              </a:ext>
+            </a:extLst>
+          </p:cNvPr>
+          <p:cNvPicPr>
+            <a:picLocks noChangeAspect="1"/>
+          </p:cNvPicPr>
+          <p:nvPr/>
+        </p:nvPicPr>
+        <p:blipFill rotWithShape="1">
+          <a:blip r:embed="rId11">
+            <a:extLst>
+              <a:ext uri="{28A0092B-C50C-407E-A947-70E740481C1C}">
+                <a14:useLocalDpi xmlns:a14="http://schemas.microsoft.com/office/drawing/2010/main" val="0"/>
+              </a:ext>
+            </a:extLst>
+          </a:blip>
+          <a:srcRect l="32350" t="3144" r="29721" b="6285"/>
+          <a:stretch/>
+        </p:blipFill>
+        <p:spPr>
+          <a:xfrm>
+            <a:off x="30958396" y="7577719"/>
+            <a:ext cx="5765953" cy="6116444"/>
+          </a:xfrm>
+          <a:prstGeom prst="rect">
+            <a:avLst/>
+          </a:prstGeom>
+        </p:spPr>
+      </p:pic>
+      <p:pic>
+        <p:nvPicPr>
+          <p:cNvPr id="54" name="Picture 53" descr="Diagram&#10;&#10;Description automatically generated">
+            <a:extLst>
+              <a:ext uri="{FF2B5EF4-FFF2-40B4-BE49-F238E27FC236}">
+                <a16:creationId xmlns:a16="http://schemas.microsoft.com/office/drawing/2014/main" id="{DA91E629-84A3-4257-B631-5ED8C7A08DAF}"/>
+              </a:ext>
+            </a:extLst>
+          </p:cNvPr>
+          <p:cNvPicPr>
+            <a:picLocks noChangeAspect="1"/>
+          </p:cNvPicPr>
+          <p:nvPr/>
+        </p:nvPicPr>
+        <p:blipFill>
+          <a:blip r:embed="rId12" cstate="email">
+            <a:extLst>
+              <a:ext uri="{28A0092B-C50C-407E-A947-70E740481C1C}">
+                <a14:useLocalDpi xmlns:a14="http://schemas.microsoft.com/office/drawing/2010/main" val="0"/>
+              </a:ext>
+            </a:extLst>
+          </a:blip>
+          <a:stretch>
+            <a:fillRect/>
+          </a:stretch>
+        </p:blipFill>
+        <p:spPr>
+          <a:xfrm>
+            <a:off x="25886359" y="7507282"/>
+            <a:ext cx="4043709" cy="3608553"/>
+          </a:xfrm>
+          <a:prstGeom prst="rect">
+            <a:avLst/>
+          </a:prstGeom>
+        </p:spPr>
+      </p:pic>
+      <p:pic>
+        <p:nvPicPr>
+          <p:cNvPr id="56" name="Picture 55">
+            <a:extLst>
+              <a:ext uri="{FF2B5EF4-FFF2-40B4-BE49-F238E27FC236}">
+                <a16:creationId xmlns:a16="http://schemas.microsoft.com/office/drawing/2014/main" id="{6A016764-F2CA-4749-BF8D-FD793861D7FD}"/>
+              </a:ext>
+            </a:extLst>
+          </p:cNvPr>
+          <p:cNvPicPr>
+            <a:picLocks noChangeAspect="1"/>
+          </p:cNvPicPr>
+          <p:nvPr/>
+        </p:nvPicPr>
+        <p:blipFill rotWithShape="1">
+          <a:blip r:embed="rId13"/>
+          <a:srcRect r="68228"/>
+          <a:stretch/>
+        </p:blipFill>
+        <p:spPr>
+          <a:xfrm>
+            <a:off x="37368381" y="11552106"/>
+            <a:ext cx="4367985" cy="5522809"/>
+          </a:xfrm>
+          <a:prstGeom prst="rect">
+            <a:avLst/>
+          </a:prstGeom>
+        </p:spPr>
+      </p:pic>
+      <p:pic>
+        <p:nvPicPr>
+          <p:cNvPr id="60" name="Picture 59">
+            <a:extLst>
+              <a:ext uri="{FF2B5EF4-FFF2-40B4-BE49-F238E27FC236}">
+                <a16:creationId xmlns:a16="http://schemas.microsoft.com/office/drawing/2014/main" id="{4386A8FD-F8F1-4067-AF17-A5D6F459CC12}"/>
+              </a:ext>
+            </a:extLst>
+          </p:cNvPr>
+          <p:cNvPicPr>
+            <a:picLocks noChangeAspect="1"/>
+          </p:cNvPicPr>
+          <p:nvPr/>
+        </p:nvPicPr>
+        <p:blipFill rotWithShape="1">
+          <a:blip r:embed="rId13"/>
+          <a:srcRect l="68213"/>
+          <a:stretch/>
+        </p:blipFill>
+        <p:spPr>
+          <a:xfrm>
+            <a:off x="43186422" y="11664683"/>
+            <a:ext cx="4280947" cy="5410232"/>
+          </a:xfrm>
+          <a:prstGeom prst="rect">
+            <a:avLst/>
+          </a:prstGeom>
+        </p:spPr>
+      </p:pic>
+      <p:sp>
+        <p:nvSpPr>
+          <p:cNvPr id="61" name="TextBox 60">
+            <a:extLst>
+              <a:ext uri="{FF2B5EF4-FFF2-40B4-BE49-F238E27FC236}">
+                <a16:creationId xmlns:a16="http://schemas.microsoft.com/office/drawing/2014/main" id="{93BBA7C8-0B2A-4198-9D7E-FD027B1D3592}"/>
+              </a:ext>
+            </a:extLst>
+          </p:cNvPr>
+          <p:cNvSpPr txBox="1"/>
+          <p:nvPr/>
+        </p:nvSpPr>
+        <p:spPr>
+          <a:xfrm>
+            <a:off x="37486195" y="17863519"/>
+            <a:ext cx="10420521" cy="1661993"/>
+          </a:xfrm>
+          <a:prstGeom prst="rect">
+            <a:avLst/>
+          </a:prstGeom>
+          <a:solidFill>
+            <a:schemeClr val="accent3">
+              <a:lumMod val="20000"/>
+              <a:lumOff val="80000"/>
+            </a:schemeClr>
+          </a:solidFill>
+        </p:spPr>
+        <p:txBody>
+          <a:bodyPr wrap="square" rtlCol="0">
+            <a:spAutoFit/>
+          </a:bodyPr>
+          <a:lstStyle/>
+          <a:p>
+            <a:pPr marL="0" marR="0" algn="just">
+              <a:spcBef>
+                <a:spcPts val="0"/>
+              </a:spcBef>
+              <a:spcAft>
+                <a:spcPts val="0"/>
+              </a:spcAft>
+            </a:pPr>
+            <a:r>
+              <a:rPr lang="en-GB" sz="3400" dirty="0">
+                <a:solidFill>
+                  <a:srgbClr val="000000"/>
+                </a:solidFill>
+                <a:effectLst/>
+                <a:latin typeface="Times New Roman" panose="02020603050405020304" pitchFamily="18" charset="0"/>
+                <a:ea typeface="Times New Roman" panose="02020603050405020304" pitchFamily="18" charset="0"/>
+                <a:cs typeface="Times New Roman" panose="02020603050405020304" pitchFamily="18" charset="0"/>
+              </a:rPr>
+              <a:t>Future work will involve testing the knee extensor muscle attached to a patella which creates added complexity in modelling and testing.</a:t>
+            </a:r>
+            <a:endParaRPr lang="en-US" sz="3400" dirty="0">
+              <a:effectLst/>
+              <a:latin typeface="Times" panose="02020603050405020304" pitchFamily="18" charset="0"/>
+              <a:ea typeface="Times" panose="02020603050405020304" pitchFamily="18" charset="0"/>
+              <a:cs typeface="Times New Roman" panose="02020603050405020304" pitchFamily="18" charset="0"/>
+            </a:endParaRPr>
+          </a:p>
+        </p:txBody>
+      </p:sp>
+      <p:pic>
+        <p:nvPicPr>
+          <p:cNvPr id="59" name="Picture 58">
+            <a:extLst>
+              <a:ext uri="{FF2B5EF4-FFF2-40B4-BE49-F238E27FC236}">
+                <a16:creationId xmlns:a16="http://schemas.microsoft.com/office/drawing/2014/main" id="{B49A3A96-770C-46AA-A7F6-513D7013F92A}"/>
+              </a:ext>
+            </a:extLst>
+          </p:cNvPr>
+          <p:cNvPicPr>
+            <a:picLocks noChangeAspect="1"/>
+          </p:cNvPicPr>
+          <p:nvPr/>
+        </p:nvPicPr>
+        <p:blipFill rotWithShape="1">
+          <a:blip r:embed="rId13"/>
+          <a:srcRect l="41311" t="33310" r="33048" b="24858"/>
+          <a:stretch/>
+        </p:blipFill>
+        <p:spPr>
+          <a:xfrm>
+            <a:off x="40629908" y="14704067"/>
+            <a:ext cx="4133093" cy="2708865"/>
+          </a:xfrm>
+          <a:prstGeom prst="rect">
+            <a:avLst/>
+          </a:prstGeom>
+        </p:spPr>
+      </p:pic>
     </p:spTree>
   </p:cSld>
   <p:clrMapOvr>

--- a/Documentation/Reports and Papers/Bolen_NWBS_2021/Bolen_NWBS_2021.pptx
+++ b/Documentation/Reports and Papers/Bolen_NWBS_2021/Bolen_NWBS_2021.pptx
@@ -3399,48 +3399,8 @@
         </p:nvCxnSpPr>
         <p:spPr>
           <a:xfrm rot="16200000" flipH="1">
-            <a:off x="-1227517" y="21118292"/>
+            <a:off x="-3439919" y="21118292"/>
             <a:ext cx="28305884" cy="2"/>
-          </a:xfrm>
-          <a:prstGeom prst="line">
-            <a:avLst/>
-          </a:prstGeom>
-          <a:ln w="50800" cap="flat" cmpd="sng" algn="ctr">
-            <a:solidFill>
-              <a:srgbClr val="6290C2"/>
-            </a:solidFill>
-            <a:prstDash val="solid"/>
-            <a:round/>
-            <a:headEnd type="none" w="med" len="med"/>
-            <a:tailEnd type="none" w="med" len="med"/>
-          </a:ln>
-          <a:effectLst/>
-        </p:spPr>
-        <p:style>
-          <a:lnRef idx="2">
-            <a:schemeClr val="accent1"/>
-          </a:lnRef>
-          <a:fillRef idx="0">
-            <a:schemeClr val="accent1"/>
-          </a:fillRef>
-          <a:effectRef idx="1">
-            <a:schemeClr val="accent1"/>
-          </a:effectRef>
-          <a:fontRef idx="minor">
-            <a:schemeClr val="tx1"/>
-          </a:fontRef>
-        </p:style>
-      </p:cxnSp>
-      <p:cxnSp>
-        <p:nvCxnSpPr>
-          <p:cNvPr id="16" name="Straight Connector 15"/>
-          <p:cNvCxnSpPr/>
-          <p:nvPr/>
-        </p:nvCxnSpPr>
-        <p:spPr>
-          <a:xfrm rot="5400000">
-            <a:off x="10535864" y="21118290"/>
-            <a:ext cx="28305884" cy="1512"/>
           </a:xfrm>
           <a:prstGeom prst="line">
             <a:avLst/>
@@ -3474,13 +3434,15 @@
       <p:cxnSp>
         <p:nvCxnSpPr>
           <p:cNvPr id="17" name="Straight Connector 16"/>
-          <p:cNvCxnSpPr/>
+          <p:cNvCxnSpPr>
+            <a:cxnSpLocks/>
+          </p:cNvCxnSpPr>
           <p:nvPr/>
         </p:nvCxnSpPr>
         <p:spPr>
-          <a:xfrm rot="5400000">
-            <a:off x="22291670" y="21118294"/>
-            <a:ext cx="28305886" cy="1514"/>
+          <a:xfrm>
+            <a:off x="11230650" y="23336364"/>
+            <a:ext cx="25694907" cy="0"/>
           </a:xfrm>
           <a:prstGeom prst="line">
             <a:avLst/>
@@ -3560,7 +3522,7 @@
         <p:spPr>
           <a:xfrm>
             <a:off x="1608061" y="6966105"/>
-            <a:ext cx="10885714" cy="19315179"/>
+            <a:ext cx="8750552" cy="15314083"/>
           </a:xfrm>
           <a:prstGeom prst="rect">
             <a:avLst/>
@@ -3600,14 +3562,14 @@
               </a:tabLst>
             </a:pPr>
             <a:r>
-              <a:rPr lang="en-GB" sz="4400" dirty="0">
+              <a:rPr lang="en-GB" sz="3400" dirty="0">
                 <a:latin typeface="Times New Roman" panose="02020603050405020304" pitchFamily="18" charset="0"/>
                 <a:ea typeface="Times New Roman" panose="02020603050405020304" pitchFamily="18" charset="0"/>
                 <a:cs typeface="Times New Roman" panose="02020603050405020304" pitchFamily="18" charset="0"/>
               </a:rPr>
               <a:t>Neural control of locomotion is a complex process of sensing, processing, and acting that is not well understood. Greater understanding necessitates modelling biomechanics and neural circuits, and investigating how interactions between the nervous system, the body, and the environment result in effective movement and behaviours. Some of our previous work [1] has been to design, from a biomechancial and engineering design approach,  a bipedal biomimetic humanoid robot that is actuated by Festo-brand braided pneumatic actuators (BPAs), or artificial muscles. BPAs can be used as artificial muscles because they have force-length curves grossly similar to real muscle, are compliant, and can only pull, not push.</a:t>
             </a:r>
-            <a:endParaRPr lang="en-US" sz="4400" dirty="0">
+            <a:endParaRPr lang="en-US" sz="3400" dirty="0">
               <a:latin typeface="Times" panose="02020603050405020304" pitchFamily="18" charset="0"/>
               <a:ea typeface="Times" panose="02020603050405020304" pitchFamily="18" charset="0"/>
               <a:cs typeface="Times New Roman" panose="02020603050405020304" pitchFamily="18" charset="0"/>
@@ -3620,14 +3582,14 @@
               </a:tabLst>
             </a:pPr>
             <a:r>
-              <a:rPr lang="en-GB" sz="4400" dirty="0">
+              <a:rPr lang="en-GB" sz="3400" dirty="0">
                 <a:latin typeface="Times New Roman" panose="02020603050405020304" pitchFamily="18" charset="0"/>
                 <a:ea typeface="Times New Roman" panose="02020603050405020304" pitchFamily="18" charset="0"/>
                 <a:cs typeface="Times New Roman" panose="02020603050405020304" pitchFamily="18" charset="0"/>
               </a:rPr>
               <a:t>	In our current work we build part of that robot (the knee, femur, and tibia), with uniarticular knee flexor and extensor BPAs, to test for the maximum isometric torque about the knee joint at various knee positions. We will compare the measured isometric torque values about the knee joint with the calculated theoretical values. </a:t>
             </a:r>
-            <a:endParaRPr lang="en-US" sz="4400" dirty="0">
+            <a:endParaRPr lang="en-US" sz="3400" dirty="0">
               <a:latin typeface="Times" panose="02020603050405020304" pitchFamily="18" charset="0"/>
               <a:ea typeface="Times" panose="02020603050405020304" pitchFamily="18" charset="0"/>
               <a:cs typeface="Times New Roman" panose="02020603050405020304" pitchFamily="18" charset="0"/>
@@ -3678,7 +3640,7 @@
           </p:cNvPicPr>
           <p:nvPr/>
         </p:nvPicPr>
-        <p:blipFill rotWithShape="1">
+        <p:blipFill>
           <a:blip r:embed="rId3">
             <a:extLst>
               <a:ext uri="{28A0092B-C50C-407E-A947-70E740481C1C}">
@@ -3686,13 +3648,15 @@
               </a:ext>
             </a:extLst>
           </a:blip>
-          <a:srcRect l="3105" b="23894"/>
-          <a:stretch/>
+          <a:srcRect/>
+          <a:stretch>
+            <a:fillRect/>
+          </a:stretch>
         </p:blipFill>
         <p:spPr bwMode="auto">
           <a:xfrm>
-            <a:off x="1839880" y="1041351"/>
-            <a:ext cx="11681400" cy="2796701"/>
+            <a:off x="1512818" y="1942120"/>
+            <a:ext cx="12055724" cy="3674739"/>
           </a:xfrm>
           <a:prstGeom prst="rect">
             <a:avLst/>
@@ -3731,8 +3695,8 @@
         </p:blipFill>
         <p:spPr>
           <a:xfrm>
-            <a:off x="1563527" y="26419220"/>
-            <a:ext cx="11257644" cy="5125358"/>
+            <a:off x="37481905" y="19906117"/>
+            <a:ext cx="10429102" cy="4748141"/>
           </a:xfrm>
           <a:prstGeom prst="rect">
             <a:avLst/>
@@ -3753,8 +3717,8 @@
         </p:nvSpPr>
         <p:spPr>
           <a:xfrm>
-            <a:off x="13327767" y="7053426"/>
-            <a:ext cx="11257644" cy="18528149"/>
+            <a:off x="11322674" y="7053426"/>
+            <a:ext cx="13175428" cy="5632311"/>
           </a:xfrm>
           <a:prstGeom prst="rect">
             <a:avLst/>
@@ -3782,62 +3746,25 @@
           </a:p>
           <a:p>
             <a:r>
-              <a:rPr lang="en-US" sz="4400" dirty="0">
+              <a:rPr lang="en-US" sz="3400" dirty="0">
                 <a:latin typeface="Times New Roman" panose="02020603050405020304" pitchFamily="18" charset="0"/>
                 <a:cs typeface="Times New Roman" panose="02020603050405020304" pitchFamily="18" charset="0"/>
               </a:rPr>
               <a:t>The artificial leg consists of 3D printed bone components and two BPAs. One of the BPAs is configured as a knee flexor, and the other is a knee extensor muscle. The knee is a rotating and translating joint designed by Steele [2]. A CALT-100 kg force sensor is tied to the swing arm of the testing jig on one end and the tibia on the other end. The jig is positioned so that the sagittal plane of the leg is parallel with the floor to negate the effect of gravity. A winch is used to move and lock the swing arm so that the knee can be tested at different angles. Force data is collected from the force sensor using a load cell amplified, Arduino Due, and </a:t>
             </a:r>
             <a:r>
-              <a:rPr lang="en-US" sz="4400" dirty="0" err="1">
+              <a:rPr lang="en-US" sz="3400" dirty="0" err="1">
                 <a:latin typeface="Times New Roman" panose="02020603050405020304" pitchFamily="18" charset="0"/>
                 <a:cs typeface="Times New Roman" panose="02020603050405020304" pitchFamily="18" charset="0"/>
               </a:rPr>
               <a:t>Matlab</a:t>
             </a:r>
             <a:r>
-              <a:rPr lang="en-US" sz="4400" dirty="0">
+              <a:rPr lang="en-US" sz="3400" dirty="0">
                 <a:latin typeface="Times New Roman" panose="02020603050405020304" pitchFamily="18" charset="0"/>
                 <a:cs typeface="Times New Roman" panose="02020603050405020304" pitchFamily="18" charset="0"/>
               </a:rPr>
               <a:t> 2020b.</a:t>
-            </a:r>
-          </a:p>
-          <a:p>
-            <a:r>
-              <a:rPr lang="en-US" sz="4400" dirty="0">
-                <a:latin typeface="Times New Roman" panose="02020603050405020304" pitchFamily="18" charset="0"/>
-                <a:cs typeface="Times New Roman" panose="02020603050405020304" pitchFamily="18" charset="0"/>
-              </a:rPr>
-              <a:t>	Images of the test set up are taken with the rear camera of a Samsung Galaxy S10+. These images are then processed in </a:t>
-            </a:r>
-            <a:r>
-              <a:rPr lang="en-US" sz="4400" dirty="0" err="1">
-                <a:latin typeface="Times New Roman" panose="02020603050405020304" pitchFamily="18" charset="0"/>
-                <a:cs typeface="Times New Roman" panose="02020603050405020304" pitchFamily="18" charset="0"/>
-              </a:rPr>
-              <a:t>Hugin</a:t>
-            </a:r>
-            <a:r>
-              <a:rPr lang="en-US" sz="4400" dirty="0">
-                <a:latin typeface="Times New Roman" panose="02020603050405020304" pitchFamily="18" charset="0"/>
-                <a:cs typeface="Times New Roman" panose="02020603050405020304" pitchFamily="18" charset="0"/>
-              </a:rPr>
-              <a:t> to eliminate any perspective and barrel distortion. After this, FIJI (Fiji Is Just </a:t>
-            </a:r>
-            <a:r>
-              <a:rPr lang="en-US" sz="4400" dirty="0" err="1">
-                <a:latin typeface="Times New Roman" panose="02020603050405020304" pitchFamily="18" charset="0"/>
-                <a:cs typeface="Times New Roman" panose="02020603050405020304" pitchFamily="18" charset="0"/>
-              </a:rPr>
-              <a:t>Imagej</a:t>
-            </a:r>
-            <a:r>
-              <a:rPr lang="en-US" sz="4400" dirty="0">
-                <a:latin typeface="Times New Roman" panose="02020603050405020304" pitchFamily="18" charset="0"/>
-                <a:cs typeface="Times New Roman" panose="02020603050405020304" pitchFamily="18" charset="0"/>
-              </a:rPr>
-              <a:t>) is used to measure the angle of the knee, the moment arm length, and the angle of the force cell to the tibia. This information allows for the calculation of isometric force values. Theoretical isometric force and torque values are calculated in the same way as we laid out in our previous work [1].</a:t>
             </a:r>
           </a:p>
         </p:txBody>
@@ -3864,7 +3791,7 @@
         </p:blipFill>
         <p:spPr>
           <a:xfrm>
-            <a:off x="13245401" y="25605862"/>
+            <a:off x="11298224" y="12891777"/>
             <a:ext cx="11147533" cy="5938716"/>
           </a:xfrm>
           <a:prstGeom prst="rect">
@@ -3891,8 +3818,8 @@
         </p:nvSpPr>
         <p:spPr>
           <a:xfrm>
-            <a:off x="36706727" y="21207355"/>
-            <a:ext cx="11182392" cy="4985980"/>
+            <a:off x="37705040" y="25711819"/>
+            <a:ext cx="10184079" cy="3539430"/>
           </a:xfrm>
           <a:prstGeom prst="rect">
             <a:avLst/>
@@ -3931,7 +3858,7 @@
           <a:p>
             <a:pPr algn="just"/>
             <a:r>
-              <a:rPr lang="en-GB" sz="4400" dirty="0">
+              <a:rPr lang="en-GB" sz="3400" dirty="0">
                 <a:solidFill>
                   <a:srgbClr val="000000"/>
                 </a:solidFill>
@@ -3942,7 +3869,7 @@
               <a:t>NSF grant for </a:t>
             </a:r>
             <a:r>
-              <a:rPr lang="en-GB" sz="4400" dirty="0" err="1">
+              <a:rPr lang="en-GB" sz="3400" dirty="0" err="1">
                 <a:solidFill>
                   <a:srgbClr val="000000"/>
                 </a:solidFill>
@@ -3953,7 +3880,7 @@
               <a:t>NeuroNex</a:t>
             </a:r>
             <a:r>
-              <a:rPr lang="en-GB" sz="4400" dirty="0">
+              <a:rPr lang="en-GB" sz="3400" dirty="0">
                 <a:solidFill>
                   <a:srgbClr val="000000"/>
                 </a:solidFill>
@@ -3963,8 +3890,8 @@
               </a:rPr>
               <a:t>: C3NS #2015317</a:t>
             </a:r>
-            <a:endParaRPr lang="en-US" sz="4400" dirty="0">
-              <a:latin typeface="Times" panose="02020603050405020304" pitchFamily="18" charset="0"/>
+            <a:endParaRPr lang="en-US" sz="3400" dirty="0">
+              <a:latin typeface="Times New Roman" panose="02020603050405020304" pitchFamily="18" charset="0"/>
               <a:ea typeface="Times" panose="02020603050405020304" pitchFamily="18" charset="0"/>
               <a:cs typeface="Times New Roman" panose="02020603050405020304" pitchFamily="18" charset="0"/>
             </a:endParaRPr>
@@ -3972,7 +3899,7 @@
           <a:p>
             <a:pPr algn="just"/>
             <a:r>
-              <a:rPr lang="en-GB" sz="4400" dirty="0">
+              <a:rPr lang="en-GB" sz="3400" dirty="0">
                 <a:solidFill>
                   <a:srgbClr val="000000"/>
                 </a:solidFill>
@@ -3982,8 +3909,8 @@
               </a:rPr>
               <a:t> </a:t>
             </a:r>
-            <a:endParaRPr lang="en-US" sz="4400" dirty="0">
-              <a:latin typeface="Times" panose="02020603050405020304" pitchFamily="18" charset="0"/>
+            <a:endParaRPr lang="en-US" sz="3400" dirty="0">
+              <a:latin typeface="Times New Roman" panose="02020603050405020304" pitchFamily="18" charset="0"/>
               <a:ea typeface="Times" panose="02020603050405020304" pitchFamily="18" charset="0"/>
               <a:cs typeface="Times New Roman" panose="02020603050405020304" pitchFamily="18" charset="0"/>
             </a:endParaRPr>
@@ -3991,7 +3918,7 @@
           <a:p>
             <a:pPr algn="just"/>
             <a:r>
-              <a:rPr lang="en-GB" sz="4400" dirty="0">
+              <a:rPr lang="en-GB" sz="3400" dirty="0">
                 <a:solidFill>
                   <a:srgbClr val="000000"/>
                 </a:solidFill>
@@ -4001,8 +3928,8 @@
               </a:rPr>
               <a:t>NIH BUILD EXITO grant numbers 5RL5GM118963-06,</a:t>
             </a:r>
-            <a:endParaRPr lang="en-US" sz="4400" dirty="0">
-              <a:latin typeface="Times" panose="02020603050405020304" pitchFamily="18" charset="0"/>
+            <a:endParaRPr lang="en-US" sz="3400" dirty="0">
+              <a:latin typeface="Times New Roman" panose="02020603050405020304" pitchFamily="18" charset="0"/>
               <a:ea typeface="Times" panose="02020603050405020304" pitchFamily="18" charset="0"/>
               <a:cs typeface="Times New Roman" panose="02020603050405020304" pitchFamily="18" charset="0"/>
             </a:endParaRPr>
@@ -4010,7 +3937,7 @@
           <a:p>
             <a:pPr algn="just"/>
             <a:r>
-              <a:rPr lang="en-GB" sz="4400" dirty="0">
+              <a:rPr lang="en-GB" sz="3400" dirty="0">
                 <a:solidFill>
                   <a:srgbClr val="000000"/>
                 </a:solidFill>
@@ -4020,8 +3947,8 @@
               </a:rPr>
               <a:t>5TL4GM118965-06, 5RL5GM118963-07, and</a:t>
             </a:r>
-            <a:endParaRPr lang="en-US" sz="4400" dirty="0">
-              <a:latin typeface="Times" panose="02020603050405020304" pitchFamily="18" charset="0"/>
+            <a:endParaRPr lang="en-US" sz="3400" dirty="0">
+              <a:latin typeface="Times New Roman" panose="02020603050405020304" pitchFamily="18" charset="0"/>
               <a:ea typeface="Times" panose="02020603050405020304" pitchFamily="18" charset="0"/>
               <a:cs typeface="Times New Roman" panose="02020603050405020304" pitchFamily="18" charset="0"/>
             </a:endParaRPr>
@@ -4029,7 +3956,7 @@
           <a:p>
             <a:pPr algn="just"/>
             <a:r>
-              <a:rPr lang="en-GB" sz="4400" dirty="0">
+              <a:rPr lang="en-GB" sz="3400" dirty="0">
                 <a:solidFill>
                   <a:srgbClr val="000000"/>
                 </a:solidFill>
@@ -4039,53 +3966,14 @@
               </a:rPr>
               <a:t>5TL4GM118965-07</a:t>
             </a:r>
-            <a:endParaRPr lang="en-US" sz="4400" dirty="0">
-              <a:latin typeface="Times" panose="02020603050405020304" pitchFamily="18" charset="0"/>
+            <a:endParaRPr lang="en-US" sz="3400" dirty="0">
+              <a:latin typeface="Times New Roman" panose="02020603050405020304" pitchFamily="18" charset="0"/>
               <a:ea typeface="Times" panose="02020603050405020304" pitchFamily="18" charset="0"/>
               <a:cs typeface="Times New Roman" panose="02020603050405020304" pitchFamily="18" charset="0"/>
             </a:endParaRPr>
           </a:p>
         </p:txBody>
       </p:sp>
-      <p:pic>
-        <p:nvPicPr>
-          <p:cNvPr id="39" name="Picture 38">
-            <a:extLst>
-              <a:ext uri="{FF2B5EF4-FFF2-40B4-BE49-F238E27FC236}">
-                <a16:creationId xmlns:a16="http://schemas.microsoft.com/office/drawing/2014/main" id="{BBF59850-AC65-441C-A634-DE93E73475E2}"/>
-              </a:ext>
-            </a:extLst>
-          </p:cNvPr>
-          <p:cNvPicPr>
-            <a:picLocks noChangeAspect="1"/>
-          </p:cNvPicPr>
-          <p:nvPr/>
-        </p:nvPicPr>
-        <p:blipFill rotWithShape="1">
-          <a:blip r:embed="rId6">
-            <a:extLst>
-              <a:ext uri="{28A0092B-C50C-407E-A947-70E740481C1C}">
-                <a14:useLocalDpi xmlns:a14="http://schemas.microsoft.com/office/drawing/2010/main" val="0"/>
-              </a:ext>
-            </a:extLst>
-          </a:blip>
-          <a:srcRect r="7034"/>
-          <a:stretch/>
-        </p:blipFill>
-        <p:spPr bwMode="auto">
-          <a:xfrm>
-            <a:off x="24392537" y="13604738"/>
-            <a:ext cx="11610798" cy="9361990"/>
-          </a:xfrm>
-          <a:prstGeom prst="rect">
-            <a:avLst/>
-          </a:prstGeom>
-          <a:noFill/>
-          <a:ln>
-            <a:noFill/>
-          </a:ln>
-        </p:spPr>
-      </p:pic>
       <p:sp>
         <p:nvSpPr>
           <p:cNvPr id="22" name="TextBox 21">
@@ -4100,8 +3988,8 @@
         </p:nvSpPr>
         <p:spPr>
           <a:xfrm>
-            <a:off x="36795656" y="26761966"/>
-            <a:ext cx="10642593" cy="8371523"/>
+            <a:off x="37705040" y="29595819"/>
+            <a:ext cx="9849847" cy="5355312"/>
           </a:xfrm>
           <a:prstGeom prst="rect">
             <a:avLst/>
@@ -4140,7 +4028,7 @@
           <a:p>
             <a:pPr algn="just"/>
             <a:r>
-              <a:rPr lang="en-GB" sz="4400" dirty="0">
+              <a:rPr lang="en-GB" sz="3200" dirty="0">
                 <a:solidFill>
                   <a:srgbClr val="000000"/>
                 </a:solidFill>
@@ -4150,7 +4038,7 @@
               </a:rPr>
               <a:t>1. Bolen, Ben P., and Alexander J. Hunt. "Determination of artificial muscle placement for biomimetic humanoid robot legs." Conference on Biomimetic and Biohybrid Systems. Springer, Cham, 2019.</a:t>
             </a:r>
-            <a:endParaRPr lang="en-US" sz="4400" dirty="0">
+            <a:endParaRPr lang="en-US" sz="3200" dirty="0">
               <a:latin typeface="Times New Roman" panose="02020603050405020304" pitchFamily="18" charset="0"/>
               <a:ea typeface="Times" panose="02020603050405020304" pitchFamily="18" charset="0"/>
               <a:cs typeface="Times New Roman" panose="02020603050405020304" pitchFamily="18" charset="0"/>
@@ -4159,7 +4047,7 @@
           <a:p>
             <a:pPr algn="just"/>
             <a:r>
-              <a:rPr lang="en-GB" sz="4400" dirty="0">
+              <a:rPr lang="en-GB" sz="3200" dirty="0">
                 <a:solidFill>
                   <a:srgbClr val="000000"/>
                 </a:solidFill>
@@ -4170,7 +4058,7 @@
               <a:t>2.  </a:t>
             </a:r>
             <a:r>
-              <a:rPr lang="en-GB" sz="4400" dirty="0">
+              <a:rPr lang="en-GB" sz="3200" dirty="0">
                 <a:latin typeface="Times New Roman" panose="02020603050405020304" pitchFamily="18" charset="0"/>
                 <a:ea typeface="Times" panose="02020603050405020304" pitchFamily="18" charset="0"/>
                 <a:cs typeface="Times New Roman" panose="02020603050405020304" pitchFamily="18" charset="0"/>
@@ -4178,7 +4066,7 @@
               <a:t>Steele, Alexander G., Alexander Hunt, and </a:t>
             </a:r>
             <a:r>
-              <a:rPr lang="en-GB" sz="4400" dirty="0" err="1">
+              <a:rPr lang="en-GB" sz="3200" dirty="0" err="1">
                 <a:latin typeface="Times New Roman" panose="02020603050405020304" pitchFamily="18" charset="0"/>
                 <a:ea typeface="Times" panose="02020603050405020304" pitchFamily="18" charset="0"/>
                 <a:cs typeface="Times New Roman" panose="02020603050405020304" pitchFamily="18" charset="0"/>
@@ -4186,7 +4074,7 @@
               <a:t>Appolinaire</a:t>
             </a:r>
             <a:r>
-              <a:rPr lang="en-GB" sz="4400" dirty="0">
+              <a:rPr lang="en-GB" sz="3200" dirty="0">
                 <a:latin typeface="Times New Roman" panose="02020603050405020304" pitchFamily="18" charset="0"/>
                 <a:ea typeface="Times" panose="02020603050405020304" pitchFamily="18" charset="0"/>
                 <a:cs typeface="Times New Roman" panose="02020603050405020304" pitchFamily="18" charset="0"/>
@@ -4194,7 +4082,7 @@
               <a:t> C. </a:t>
             </a:r>
             <a:r>
-              <a:rPr lang="en-GB" sz="4400" dirty="0" err="1">
+              <a:rPr lang="en-GB" sz="3200" dirty="0" err="1">
                 <a:latin typeface="Times New Roman" panose="02020603050405020304" pitchFamily="18" charset="0"/>
                 <a:ea typeface="Times" panose="02020603050405020304" pitchFamily="18" charset="0"/>
                 <a:cs typeface="Times New Roman" panose="02020603050405020304" pitchFamily="18" charset="0"/>
@@ -4202,14 +4090,14 @@
               <a:t>Etoundi</a:t>
             </a:r>
             <a:r>
-              <a:rPr lang="en-GB" sz="4400" dirty="0">
+              <a:rPr lang="en-GB" sz="3200" dirty="0">
                 <a:latin typeface="Times New Roman" panose="02020603050405020304" pitchFamily="18" charset="0"/>
                 <a:ea typeface="Times" panose="02020603050405020304" pitchFamily="18" charset="0"/>
                 <a:cs typeface="Times New Roman" panose="02020603050405020304" pitchFamily="18" charset="0"/>
               </a:rPr>
               <a:t>. "Biomimetic knee design to improve joint torque and life for bipedal robotics." Annual Conference Towards Autonomous Robotic Systems. Springer, Cham, 2018.</a:t>
             </a:r>
-            <a:endParaRPr lang="en-US" sz="18448" dirty="0"/>
+            <a:endParaRPr lang="en-US" sz="3200" dirty="0"/>
           </a:p>
         </p:txBody>
       </p:sp>
@@ -4227,8 +4115,8 @@
         </p:nvSpPr>
         <p:spPr>
           <a:xfrm>
-            <a:off x="13693657" y="31655614"/>
-            <a:ext cx="10230690" cy="3477875"/>
+            <a:off x="13244974" y="19033768"/>
+            <a:ext cx="5765953" cy="3754874"/>
           </a:xfrm>
           <a:prstGeom prst="rect">
             <a:avLst/>
@@ -4255,7 +4143,7 @@
               </a:spcAft>
             </a:pPr>
             <a:r>
-              <a:rPr lang="en-GB" sz="4400" b="1" dirty="0">
+              <a:rPr lang="en-GB" sz="3400" dirty="0">
                 <a:solidFill>
                   <a:srgbClr val="000000"/>
                 </a:solidFill>
@@ -4264,10 +4152,22 @@
                 <a:ea typeface="Times New Roman" panose="02020603050405020304" pitchFamily="18" charset="0"/>
                 <a:cs typeface="Times New Roman" panose="02020603050405020304" pitchFamily="18" charset="0"/>
               </a:rPr>
-              <a:t>Figure 2</a:t>
-            </a:r>
-            <a:r>
-              <a:rPr lang="en-GB" sz="4400" dirty="0">
+              <a:t>Artificial leg with </a:t>
+            </a:r>
+          </a:p>
+          <a:p>
+            <a:pPr marL="571500" marR="0" indent="-571500" algn="just">
+              <a:spcBef>
+                <a:spcPts val="0"/>
+              </a:spcBef>
+              <a:spcAft>
+                <a:spcPts val="0"/>
+              </a:spcAft>
+              <a:buFont typeface="Arial" panose="020B0604020202020204" pitchFamily="34" charset="0"/>
+              <a:buChar char="•"/>
+            </a:pPr>
+            <a:r>
+              <a:rPr lang="en-GB" sz="3400" dirty="0">
                 <a:solidFill>
                   <a:srgbClr val="000000"/>
                 </a:solidFill>
@@ -4276,57 +4176,22 @@
                 <a:ea typeface="Times New Roman" panose="02020603050405020304" pitchFamily="18" charset="0"/>
                 <a:cs typeface="Times New Roman" panose="02020603050405020304" pitchFamily="18" charset="0"/>
               </a:rPr>
-              <a:t>: Artificial leg with femur (A), knee (B), tibia (C), patella (D), knee flexor BPA (E), and knee extensor BPA (F). The picture shows the artificial leg set up to test for isometric torque from the knee flexor BPA.</a:t>
-            </a:r>
-            <a:endParaRPr lang="en-US" sz="4400" dirty="0">
-              <a:latin typeface="Times New Roman" panose="02020603050405020304" pitchFamily="18" charset="0"/>
-              <a:cs typeface="Times New Roman" panose="02020603050405020304" pitchFamily="18" charset="0"/>
-            </a:endParaRPr>
-          </a:p>
-        </p:txBody>
-      </p:sp>
-      <p:sp>
-        <p:nvSpPr>
-          <p:cNvPr id="41" name="TextBox 40">
-            <a:extLst>
-              <a:ext uri="{FF2B5EF4-FFF2-40B4-BE49-F238E27FC236}">
-                <a16:creationId xmlns:a16="http://schemas.microsoft.com/office/drawing/2014/main" id="{EAB89124-F97F-4F82-BE8D-07D7853B5FD9}"/>
-              </a:ext>
-            </a:extLst>
-          </p:cNvPr>
-          <p:cNvSpPr txBox="1"/>
-          <p:nvPr/>
-        </p:nvSpPr>
-        <p:spPr>
-          <a:xfrm>
-            <a:off x="1937851" y="31688425"/>
-            <a:ext cx="10230690" cy="3477875"/>
-          </a:xfrm>
-          <a:prstGeom prst="rect">
-            <a:avLst/>
-          </a:prstGeom>
-          <a:solidFill>
-            <a:schemeClr val="bg1">
-              <a:lumMod val="85000"/>
-            </a:schemeClr>
-          </a:solidFill>
-        </p:spPr>
-        <p:txBody>
-          <a:bodyPr wrap="square" rtlCol="0">
-            <a:spAutoFit/>
-          </a:bodyPr>
-          <a:lstStyle/>
-          <a:p>
-            <a:pPr marL="0" marR="0" algn="just">
+              <a:t>femur (A)</a:t>
+            </a:r>
+          </a:p>
+          <a:p>
+            <a:pPr marL="571500" marR="0" indent="-571500" algn="just">
               <a:spcBef>
                 <a:spcPts val="0"/>
               </a:spcBef>
               <a:spcAft>
                 <a:spcPts val="0"/>
               </a:spcAft>
+              <a:buFont typeface="Arial" panose="020B0604020202020204" pitchFamily="34" charset="0"/>
+              <a:buChar char="•"/>
             </a:pPr>
             <a:r>
-              <a:rPr lang="en-GB" sz="4400" b="1" dirty="0">
+              <a:rPr lang="en-GB" sz="3400" dirty="0">
                 <a:solidFill>
                   <a:srgbClr val="000000"/>
                 </a:solidFill>
@@ -4335,10 +4200,22 @@
                 <a:ea typeface="Times New Roman" panose="02020603050405020304" pitchFamily="18" charset="0"/>
                 <a:cs typeface="Times New Roman" panose="02020603050405020304" pitchFamily="18" charset="0"/>
               </a:rPr>
-              <a:t>Figure 1</a:t>
-            </a:r>
-            <a:r>
-              <a:rPr lang="en-GB" sz="4400" dirty="0">
+              <a:t>knee (B)</a:t>
+            </a:r>
+          </a:p>
+          <a:p>
+            <a:pPr marL="571500" marR="0" indent="-571500" algn="just">
+              <a:spcBef>
+                <a:spcPts val="0"/>
+              </a:spcBef>
+              <a:spcAft>
+                <a:spcPts val="0"/>
+              </a:spcAft>
+              <a:buFont typeface="Arial" panose="020B0604020202020204" pitchFamily="34" charset="0"/>
+              <a:buChar char="•"/>
+            </a:pPr>
+            <a:r>
+              <a:rPr lang="en-GB" sz="3400" dirty="0">
                 <a:solidFill>
                   <a:srgbClr val="000000"/>
                 </a:solidFill>
@@ -4347,9 +4224,81 @@
                 <a:ea typeface="Times New Roman" panose="02020603050405020304" pitchFamily="18" charset="0"/>
                 <a:cs typeface="Times New Roman" panose="02020603050405020304" pitchFamily="18" charset="0"/>
               </a:rPr>
-              <a:t>: Artificial leg with femur (A), knee (B), tibia (C), patella (D), knee flexor BPA (E), and knee extensor BPA (F). The picture shows the artificial leg set up to test for isometric torque from the knee flexor BPA.</a:t>
-            </a:r>
-            <a:endParaRPr lang="en-US" sz="4400" dirty="0">
+              <a:t>tibia (C)</a:t>
+            </a:r>
+          </a:p>
+          <a:p>
+            <a:pPr marL="571500" marR="0" indent="-571500" algn="just">
+              <a:spcBef>
+                <a:spcPts val="0"/>
+              </a:spcBef>
+              <a:spcAft>
+                <a:spcPts val="0"/>
+              </a:spcAft>
+              <a:buFont typeface="Arial" panose="020B0604020202020204" pitchFamily="34" charset="0"/>
+              <a:buChar char="•"/>
+            </a:pPr>
+            <a:r>
+              <a:rPr lang="en-GB" sz="3400" dirty="0">
+                <a:solidFill>
+                  <a:srgbClr val="000000"/>
+                </a:solidFill>
+                <a:effectLst/>
+                <a:latin typeface="Times New Roman" panose="02020603050405020304" pitchFamily="18" charset="0"/>
+                <a:ea typeface="Times New Roman" panose="02020603050405020304" pitchFamily="18" charset="0"/>
+                <a:cs typeface="Times New Roman" panose="02020603050405020304" pitchFamily="18" charset="0"/>
+              </a:rPr>
+              <a:t>patella (D)</a:t>
+            </a:r>
+          </a:p>
+          <a:p>
+            <a:pPr marL="571500" marR="0" indent="-571500" algn="just">
+              <a:spcBef>
+                <a:spcPts val="0"/>
+              </a:spcBef>
+              <a:spcAft>
+                <a:spcPts val="0"/>
+              </a:spcAft>
+              <a:buFont typeface="Arial" panose="020B0604020202020204" pitchFamily="34" charset="0"/>
+              <a:buChar char="•"/>
+            </a:pPr>
+            <a:r>
+              <a:rPr lang="en-GB" sz="3400" dirty="0">
+                <a:solidFill>
+                  <a:srgbClr val="000000"/>
+                </a:solidFill>
+                <a:effectLst/>
+                <a:latin typeface="Times New Roman" panose="02020603050405020304" pitchFamily="18" charset="0"/>
+                <a:ea typeface="Times New Roman" panose="02020603050405020304" pitchFamily="18" charset="0"/>
+                <a:cs typeface="Times New Roman" panose="02020603050405020304" pitchFamily="18" charset="0"/>
+              </a:rPr>
+              <a:t>knee flexor BPA (E)</a:t>
+            </a:r>
+          </a:p>
+          <a:p>
+            <a:pPr marL="571500" marR="0" indent="-571500" algn="just">
+              <a:spcBef>
+                <a:spcPts val="0"/>
+              </a:spcBef>
+              <a:spcAft>
+                <a:spcPts val="0"/>
+              </a:spcAft>
+              <a:buFont typeface="Arial" panose="020B0604020202020204" pitchFamily="34" charset="0"/>
+              <a:buChar char="•"/>
+            </a:pPr>
+            <a:r>
+              <a:rPr lang="en-GB" sz="3400" dirty="0">
+                <a:solidFill>
+                  <a:srgbClr val="000000"/>
+                </a:solidFill>
+                <a:effectLst/>
+                <a:latin typeface="Times New Roman" panose="02020603050405020304" pitchFamily="18" charset="0"/>
+                <a:ea typeface="Times New Roman" panose="02020603050405020304" pitchFamily="18" charset="0"/>
+                <a:cs typeface="Times New Roman" panose="02020603050405020304" pitchFamily="18" charset="0"/>
+              </a:rPr>
+              <a:t>knee extensor BPA (F)</a:t>
+            </a:r>
+            <a:endParaRPr lang="en-US" sz="3400" dirty="0">
               <a:latin typeface="Times New Roman" panose="02020603050405020304" pitchFamily="18" charset="0"/>
               <a:cs typeface="Times New Roman" panose="02020603050405020304" pitchFamily="18" charset="0"/>
             </a:endParaRPr>
@@ -4370,8 +4319,8 @@
         </p:nvSpPr>
         <p:spPr>
           <a:xfrm>
-            <a:off x="24984679" y="6966108"/>
-            <a:ext cx="11196306" cy="6340197"/>
+            <a:off x="11528523" y="24834148"/>
+            <a:ext cx="9214656" cy="9264075"/>
           </a:xfrm>
           <a:prstGeom prst="rect">
             <a:avLst/>
@@ -4429,7 +4378,7 @@
               </a:tabLst>
             </a:pPr>
             <a:r>
-              <a:rPr lang="en-GB" sz="4400" dirty="0">
+              <a:rPr lang="en-GB" sz="3400" dirty="0">
                 <a:solidFill>
                   <a:srgbClr val="000000"/>
                 </a:solidFill>
@@ -4440,101 +4389,7 @@
               </a:rPr>
               <a:t>The results show that the calculated and theoretical values for the BPAs are similar over their active range of motion. The muscle diameter and attachment locations do not allow for the isometric torque of the artificial muscle and human muscle to match in the current design configuration. This was predicted by the theoretical model.</a:t>
             </a:r>
-            <a:endParaRPr lang="en-US" sz="4400" dirty="0">
-              <a:effectLst/>
-              <a:latin typeface="Times" panose="02020603050405020304" pitchFamily="18" charset="0"/>
-              <a:ea typeface="Times" panose="02020603050405020304" pitchFamily="18" charset="0"/>
-              <a:cs typeface="Times New Roman" panose="02020603050405020304" pitchFamily="18" charset="0"/>
-            </a:endParaRPr>
-          </a:p>
-        </p:txBody>
-      </p:sp>
-      <p:sp>
-        <p:nvSpPr>
-          <p:cNvPr id="26" name="TextBox 25">
-            <a:extLst>
-              <a:ext uri="{FF2B5EF4-FFF2-40B4-BE49-F238E27FC236}">
-                <a16:creationId xmlns:a16="http://schemas.microsoft.com/office/drawing/2014/main" id="{7D074979-5539-4CB9-B94A-A2E063911E66}"/>
-              </a:ext>
-            </a:extLst>
-          </p:cNvPr>
-          <p:cNvSpPr txBox="1"/>
-          <p:nvPr/>
-        </p:nvSpPr>
-        <p:spPr>
-          <a:xfrm>
-            <a:off x="24950920" y="24762352"/>
-            <a:ext cx="10578281" cy="5509200"/>
-          </a:xfrm>
-          <a:prstGeom prst="rect">
-            <a:avLst/>
-          </a:prstGeom>
-          <a:solidFill>
-            <a:schemeClr val="accent2">
-              <a:lumMod val="20000"/>
-              <a:lumOff val="80000"/>
-            </a:schemeClr>
-          </a:solidFill>
-        </p:spPr>
-        <p:txBody>
-          <a:bodyPr wrap="square" rtlCol="0">
-            <a:spAutoFit/>
-          </a:bodyPr>
-          <a:lstStyle/>
-          <a:p>
-            <a:r>
-              <a:rPr lang="en-GB" sz="4400" dirty="0">
-                <a:solidFill>
-                  <a:srgbClr val="000000"/>
-                </a:solidFill>
-                <a:effectLst/>
-                <a:latin typeface="Times New Roman" panose="02020603050405020304" pitchFamily="18" charset="0"/>
-                <a:ea typeface="Times New Roman" panose="02020603050405020304" pitchFamily="18" charset="0"/>
-                <a:cs typeface="Times New Roman" panose="02020603050405020304" pitchFamily="18" charset="0"/>
-              </a:rPr>
-              <a:t>The results of these experiments help in better modelling and designing biomimetic humanoid robots. Future work will integrate these robots with neural controllers and feedback. Much of this current work revolves around humanoid robots but the results are broadly applicable to other biomimetic robots that use BPAs.</a:t>
-            </a:r>
-            <a:endParaRPr lang="en-US" sz="4400" dirty="0">
-              <a:effectLst/>
-              <a:latin typeface="Times" panose="02020603050405020304" pitchFamily="18" charset="0"/>
-              <a:ea typeface="Times" panose="02020603050405020304" pitchFamily="18" charset="0"/>
-              <a:cs typeface="Times New Roman" panose="02020603050405020304" pitchFamily="18" charset="0"/>
-            </a:endParaRPr>
-          </a:p>
-        </p:txBody>
-      </p:sp>
-      <p:sp>
-        <p:nvSpPr>
-          <p:cNvPr id="45" name="TextBox 44">
-            <a:extLst>
-              <a:ext uri="{FF2B5EF4-FFF2-40B4-BE49-F238E27FC236}">
-                <a16:creationId xmlns:a16="http://schemas.microsoft.com/office/drawing/2014/main" id="{83BBF07A-F87A-48C8-9DE5-1389C31A0458}"/>
-              </a:ext>
-            </a:extLst>
-          </p:cNvPr>
-          <p:cNvSpPr txBox="1"/>
-          <p:nvPr/>
-        </p:nvSpPr>
-        <p:spPr>
-          <a:xfrm>
-            <a:off x="25415411" y="23101006"/>
-            <a:ext cx="10230690" cy="1446550"/>
-          </a:xfrm>
-          <a:prstGeom prst="rect">
-            <a:avLst/>
-          </a:prstGeom>
-          <a:solidFill>
-            <a:schemeClr val="accent2">
-              <a:lumMod val="40000"/>
-              <a:lumOff val="60000"/>
-            </a:schemeClr>
-          </a:solidFill>
-        </p:spPr>
-        <p:txBody>
-          <a:bodyPr wrap="square" rtlCol="0">
-            <a:spAutoFit/>
-          </a:bodyPr>
-          <a:lstStyle/>
+          </a:p>
           <a:p>
             <a:pPr marL="0" marR="0" algn="just">
               <a:spcBef>
@@ -4547,8 +4402,23 @@
                 <a:tab pos="171450" algn="l"/>
               </a:tabLst>
             </a:pPr>
-            <a:r>
-              <a:rPr lang="en-GB" sz="4400" b="1" dirty="0">
+            <a:endParaRPr lang="en-GB" sz="3400" dirty="0">
+              <a:solidFill>
+                <a:srgbClr val="000000"/>
+              </a:solidFill>
+              <a:latin typeface="Times New Roman" panose="02020603050405020304" pitchFamily="18" charset="0"/>
+              <a:ea typeface="Times" panose="02020603050405020304" pitchFamily="18" charset="0"/>
+              <a:cs typeface="Times New Roman" panose="02020603050405020304" pitchFamily="18" charset="0"/>
+            </a:endParaRPr>
+          </a:p>
+          <a:p>
+            <a:pPr algn="just">
+              <a:tabLst>
+                <a:tab pos="171450" algn="l"/>
+              </a:tabLst>
+            </a:pPr>
+            <a:r>
+              <a:rPr lang="en-GB" sz="3400" dirty="0">
                 <a:solidFill>
                   <a:srgbClr val="000000"/>
                 </a:solidFill>
@@ -4557,87 +4427,13 @@
                 <a:ea typeface="Times New Roman" panose="02020603050405020304" pitchFamily="18" charset="0"/>
                 <a:cs typeface="Times New Roman" panose="02020603050405020304" pitchFamily="18" charset="0"/>
               </a:rPr>
-              <a:t>Figure 2</a:t>
-            </a:r>
-            <a:r>
-              <a:rPr lang="en-GB" sz="4400" dirty="0">
-                <a:solidFill>
-                  <a:srgbClr val="000000"/>
-                </a:solidFill>
-                <a:effectLst/>
-                <a:latin typeface="Times New Roman" panose="02020603050405020304" pitchFamily="18" charset="0"/>
-                <a:ea typeface="Times New Roman" panose="02020603050405020304" pitchFamily="18" charset="0"/>
-                <a:cs typeface="Times New Roman" panose="02020603050405020304" pitchFamily="18" charset="0"/>
-              </a:rPr>
-              <a:t>: Comparison of calculated, measured, and human knee torque values.</a:t>
-            </a:r>
-            <a:endParaRPr lang="en-US" sz="4800" dirty="0">
+              <a:t>The results of these experiments help in better modelling and designing biomimetic humanoid robots. Future work will integrate these robots with neural controllers and feedback. Much of this current work revolves around humanoid robots but the results are broadly applicable to other biomimetic robots that use BPAs.</a:t>
+            </a:r>
+            <a:endParaRPr lang="en-US" sz="3400" dirty="0">
               <a:effectLst/>
               <a:latin typeface="Times" panose="02020603050405020304" pitchFamily="18" charset="0"/>
               <a:ea typeface="Times" panose="02020603050405020304" pitchFamily="18" charset="0"/>
               <a:cs typeface="Times New Roman" panose="02020603050405020304" pitchFamily="18" charset="0"/>
-            </a:endParaRPr>
-          </a:p>
-        </p:txBody>
-      </p:sp>
-      <p:sp>
-        <p:nvSpPr>
-          <p:cNvPr id="34" name="TextBox 33">
-            <a:extLst>
-              <a:ext uri="{FF2B5EF4-FFF2-40B4-BE49-F238E27FC236}">
-                <a16:creationId xmlns:a16="http://schemas.microsoft.com/office/drawing/2014/main" id="{7FD920A3-5800-4F88-BF29-0E4ED3BD9FC6}"/>
-              </a:ext>
-            </a:extLst>
-          </p:cNvPr>
-          <p:cNvSpPr txBox="1"/>
-          <p:nvPr/>
-        </p:nvSpPr>
-        <p:spPr>
-          <a:xfrm>
-            <a:off x="36706727" y="6980181"/>
-            <a:ext cx="11053729" cy="4985980"/>
-          </a:xfrm>
-          <a:prstGeom prst="rect">
-            <a:avLst/>
-          </a:prstGeom>
-          <a:solidFill>
-            <a:schemeClr val="accent3">
-              <a:lumMod val="20000"/>
-              <a:lumOff val="80000"/>
-            </a:schemeClr>
-          </a:solidFill>
-        </p:spPr>
-        <p:txBody>
-          <a:bodyPr wrap="square" rtlCol="0">
-            <a:spAutoFit/>
-          </a:bodyPr>
-          <a:lstStyle/>
-          <a:p>
-            <a:pPr marL="0" marR="0" algn="just">
-              <a:spcBef>
-                <a:spcPts val="0"/>
-              </a:spcBef>
-              <a:spcAft>
-                <a:spcPts val="0"/>
-              </a:spcAft>
-            </a:pPr>
-            <a:r>
-              <a:rPr lang="en-GB" sz="5400" b="1" dirty="0">
-                <a:solidFill>
-                  <a:srgbClr val="000000"/>
-                </a:solidFill>
-                <a:effectLst/>
-                <a:latin typeface="Arial" panose="020B0604020202020204" pitchFamily="34" charset="0"/>
-                <a:ea typeface="Times New Roman" panose="02020603050405020304" pitchFamily="18" charset="0"/>
-                <a:cs typeface="Arial" panose="020B0604020202020204" pitchFamily="34" charset="0"/>
-              </a:rPr>
-              <a:t>Significance</a:t>
-            </a:r>
-            <a:endParaRPr lang="en-US" sz="5400" dirty="0">
-              <a:effectLst/>
-              <a:latin typeface="Arial" panose="020B0604020202020204" pitchFamily="34" charset="0"/>
-              <a:ea typeface="Times" panose="02020603050405020304" pitchFamily="18" charset="0"/>
-              <a:cs typeface="Arial" panose="020B0604020202020204" pitchFamily="34" charset="0"/>
             </a:endParaRPr>
           </a:p>
           <a:p>
@@ -4652,8 +4448,61 @@
                 <a:tab pos="171450" algn="l"/>
               </a:tabLst>
             </a:pPr>
-            <a:r>
-              <a:rPr lang="en-GB" sz="4400" dirty="0">
+            <a:endParaRPr lang="en-US" sz="3200" dirty="0">
+              <a:effectLst/>
+              <a:latin typeface="Times" panose="02020603050405020304" pitchFamily="18" charset="0"/>
+              <a:ea typeface="Times" panose="02020603050405020304" pitchFamily="18" charset="0"/>
+              <a:cs typeface="Times New Roman" panose="02020603050405020304" pitchFamily="18" charset="0"/>
+            </a:endParaRPr>
+          </a:p>
+        </p:txBody>
+      </p:sp>
+      <p:sp>
+        <p:nvSpPr>
+          <p:cNvPr id="45" name="TextBox 44">
+            <a:extLst>
+              <a:ext uri="{FF2B5EF4-FFF2-40B4-BE49-F238E27FC236}">
+                <a16:creationId xmlns:a16="http://schemas.microsoft.com/office/drawing/2014/main" id="{83BBF07A-F87A-48C8-9DE5-1389C31A0458}"/>
+              </a:ext>
+            </a:extLst>
+          </p:cNvPr>
+          <p:cNvSpPr txBox="1"/>
+          <p:nvPr/>
+        </p:nvSpPr>
+        <p:spPr>
+          <a:xfrm>
+            <a:off x="22783812" y="34098223"/>
+            <a:ext cx="13083153" cy="615553"/>
+          </a:xfrm>
+          <a:prstGeom prst="rect">
+            <a:avLst/>
+          </a:prstGeom>
+          <a:solidFill>
+            <a:schemeClr val="accent2">
+              <a:lumMod val="40000"/>
+              <a:lumOff val="60000"/>
+            </a:schemeClr>
+          </a:solidFill>
+        </p:spPr>
+        <p:txBody>
+          <a:bodyPr wrap="square" rtlCol="0">
+            <a:spAutoFit/>
+          </a:bodyPr>
+          <a:lstStyle/>
+          <a:p>
+            <a:pPr marL="0" marR="0" algn="just">
+              <a:spcBef>
+                <a:spcPts val="0"/>
+              </a:spcBef>
+              <a:spcAft>
+                <a:spcPts val="0"/>
+              </a:spcAft>
+              <a:tabLst>
+                <a:tab pos="171450" algn="l"/>
+              </a:tabLst>
+            </a:pPr>
+            <a:r>
+              <a:rPr lang="en-GB" sz="3400" dirty="0">
                 <a:solidFill>
                   <a:srgbClr val="000000"/>
                 </a:solidFill>
@@ -4662,9 +4511,9 @@
                 <a:ea typeface="Times New Roman" panose="02020603050405020304" pitchFamily="18" charset="0"/>
                 <a:cs typeface="Times New Roman" panose="02020603050405020304" pitchFamily="18" charset="0"/>
               </a:rPr>
-              <a:t>Now that there is an isometric test apparatus for BPA powered biomimetic robots, more testing can be done with other artificial muscle arrangements. Future works can also now be performed on different methods of measuring muscle moment arms. </a:t>
-            </a:r>
-            <a:endParaRPr lang="en-US" sz="4400" dirty="0">
+              <a:t>Comparison of calculated, measured, and human knee torque values.</a:t>
+            </a:r>
+            <a:endParaRPr lang="en-US" sz="3400" dirty="0">
               <a:effectLst/>
               <a:latin typeface="Times" panose="02020603050405020304" pitchFamily="18" charset="0"/>
               <a:ea typeface="Times" panose="02020603050405020304" pitchFamily="18" charset="0"/>
@@ -4673,12 +4522,514 @@
           </a:p>
         </p:txBody>
       </p:sp>
+      <p:sp>
+        <p:nvSpPr>
+          <p:cNvPr id="34" name="TextBox 33">
+            <a:extLst>
+              <a:ext uri="{FF2B5EF4-FFF2-40B4-BE49-F238E27FC236}">
+                <a16:creationId xmlns:a16="http://schemas.microsoft.com/office/drawing/2014/main" id="{7FD920A3-5800-4F88-BF29-0E4ED3BD9FC6}"/>
+              </a:ext>
+            </a:extLst>
+          </p:cNvPr>
+          <p:cNvSpPr txBox="1"/>
+          <p:nvPr/>
+        </p:nvSpPr>
+        <p:spPr>
+          <a:xfrm>
+            <a:off x="37339935" y="6980181"/>
+            <a:ext cx="10420521" cy="4585871"/>
+          </a:xfrm>
+          <a:prstGeom prst="rect">
+            <a:avLst/>
+          </a:prstGeom>
+          <a:solidFill>
+            <a:schemeClr val="accent3">
+              <a:lumMod val="20000"/>
+              <a:lumOff val="80000"/>
+            </a:schemeClr>
+          </a:solidFill>
+        </p:spPr>
+        <p:txBody>
+          <a:bodyPr wrap="square" rtlCol="0">
+            <a:spAutoFit/>
+          </a:bodyPr>
+          <a:lstStyle/>
+          <a:p>
+            <a:pPr marL="0" marR="0" algn="just">
+              <a:spcBef>
+                <a:spcPts val="0"/>
+              </a:spcBef>
+              <a:spcAft>
+                <a:spcPts val="0"/>
+              </a:spcAft>
+            </a:pPr>
+            <a:r>
+              <a:rPr lang="en-GB" sz="5400" b="1" dirty="0">
+                <a:solidFill>
+                  <a:srgbClr val="000000"/>
+                </a:solidFill>
+                <a:effectLst/>
+                <a:latin typeface="Arial" panose="020B0604020202020204" pitchFamily="34" charset="0"/>
+                <a:ea typeface="Times New Roman" panose="02020603050405020304" pitchFamily="18" charset="0"/>
+                <a:cs typeface="Arial" panose="020B0604020202020204" pitchFamily="34" charset="0"/>
+              </a:rPr>
+              <a:t>Significance</a:t>
+            </a:r>
+            <a:endParaRPr lang="en-US" sz="5400" dirty="0">
+              <a:effectLst/>
+              <a:latin typeface="Arial" panose="020B0604020202020204" pitchFamily="34" charset="0"/>
+              <a:ea typeface="Times" panose="02020603050405020304" pitchFamily="18" charset="0"/>
+              <a:cs typeface="Arial" panose="020B0604020202020204" pitchFamily="34" charset="0"/>
+            </a:endParaRPr>
+          </a:p>
+          <a:p>
+            <a:pPr marL="0" marR="0" algn="just">
+              <a:spcBef>
+                <a:spcPts val="0"/>
+              </a:spcBef>
+              <a:spcAft>
+                <a:spcPts val="0"/>
+              </a:spcAft>
+              <a:tabLst>
+                <a:tab pos="171450" algn="l"/>
+              </a:tabLst>
+            </a:pPr>
+            <a:r>
+              <a:rPr lang="en-GB" sz="3400" dirty="0">
+                <a:solidFill>
+                  <a:srgbClr val="000000"/>
+                </a:solidFill>
+                <a:effectLst/>
+                <a:latin typeface="Times New Roman" panose="02020603050405020304" pitchFamily="18" charset="0"/>
+                <a:ea typeface="Times New Roman" panose="02020603050405020304" pitchFamily="18" charset="0"/>
+                <a:cs typeface="Times New Roman" panose="02020603050405020304" pitchFamily="18" charset="0"/>
+              </a:rPr>
+              <a:t>Now that there is an isometric test apparatus for BPA powered biomimetic robots, more testing can be done with other artificial muscle arrangements. Future works can also now be performed on different methods of measuring muscle moment arms</a:t>
+            </a:r>
+            <a:r>
+              <a:rPr lang="en-GB" sz="3400" dirty="0">
+                <a:solidFill>
+                  <a:srgbClr val="000000"/>
+                </a:solidFill>
+                <a:latin typeface="Times New Roman" panose="02020603050405020304" pitchFamily="18" charset="0"/>
+                <a:ea typeface="Times New Roman" panose="02020603050405020304" pitchFamily="18" charset="0"/>
+                <a:cs typeface="Times New Roman" panose="02020603050405020304" pitchFamily="18" charset="0"/>
+              </a:rPr>
+              <a:t> (e.g. comparing the vector method  to the method that uses change in muscle length over change in joint angle.</a:t>
+            </a:r>
+            <a:endParaRPr lang="en-US" sz="3400" dirty="0">
+              <a:effectLst/>
+              <a:latin typeface="Times" panose="02020603050405020304" pitchFamily="18" charset="0"/>
+              <a:ea typeface="Times" panose="02020603050405020304" pitchFamily="18" charset="0"/>
+              <a:cs typeface="Times New Roman" panose="02020603050405020304" pitchFamily="18" charset="0"/>
+            </a:endParaRPr>
+          </a:p>
+        </p:txBody>
+      </p:sp>
       <p:pic>
         <p:nvPicPr>
-          <p:cNvPr id="10" name="Picture 9" descr="A picture containing text&#10;&#10;Description automatically generated">
+          <p:cNvPr id="14" name="Picture 2" descr="See the source image">
             <a:extLst>
               <a:ext uri="{FF2B5EF4-FFF2-40B4-BE49-F238E27FC236}">
-                <a16:creationId xmlns:a16="http://schemas.microsoft.com/office/drawing/2014/main" id="{5FD4630B-792E-430D-A152-6A5891E482A3}"/>
+                <a16:creationId xmlns:a16="http://schemas.microsoft.com/office/drawing/2014/main" id="{5E00D1E2-F49C-47A3-A6E8-65981367945C}"/>
+              </a:ext>
+            </a:extLst>
+          </p:cNvPr>
+          <p:cNvPicPr>
+            <a:picLocks noChangeAspect="1" noChangeArrowheads="1"/>
+          </p:cNvPicPr>
+          <p:nvPr/>
+        </p:nvPicPr>
+        <p:blipFill>
+          <a:blip r:embed="rId6">
+            <a:extLst>
+              <a:ext uri="{28A0092B-C50C-407E-A947-70E740481C1C}">
+                <a14:useLocalDpi xmlns:a14="http://schemas.microsoft.com/office/drawing/2010/main" val="0"/>
+              </a:ext>
+            </a:extLst>
+          </a:blip>
+          <a:srcRect/>
+          <a:stretch>
+            <a:fillRect/>
+          </a:stretch>
+        </p:blipFill>
+        <p:spPr bwMode="auto">
+          <a:xfrm>
+            <a:off x="28944282" y="18586904"/>
+            <a:ext cx="7878028" cy="4610029"/>
+          </a:xfrm>
+          <a:prstGeom prst="rect">
+            <a:avLst/>
+          </a:prstGeom>
+          <a:noFill/>
+          <a:extLst>
+            <a:ext uri="{909E8E84-426E-40DD-AFC4-6F175D3DCCD1}">
+              <a14:hiddenFill xmlns:a14="http://schemas.microsoft.com/office/drawing/2010/main">
+                <a:solidFill>
+                  <a:srgbClr val="FFFFFF"/>
+                </a:solidFill>
+              </a14:hiddenFill>
+            </a:ext>
+          </a:extLst>
+        </p:spPr>
+      </p:pic>
+      <p:pic>
+        <p:nvPicPr>
+          <p:cNvPr id="1028" name="Picture 4" descr="See the source image">
+            <a:extLst>
+              <a:ext uri="{FF2B5EF4-FFF2-40B4-BE49-F238E27FC236}">
+                <a16:creationId xmlns:a16="http://schemas.microsoft.com/office/drawing/2014/main" id="{E6AB0F3A-9BEB-45D4-BF11-6A7A28DE4437}"/>
+              </a:ext>
+            </a:extLst>
+          </p:cNvPr>
+          <p:cNvPicPr>
+            <a:picLocks noChangeAspect="1" noChangeArrowheads="1"/>
+          </p:cNvPicPr>
+          <p:nvPr/>
+        </p:nvPicPr>
+        <p:blipFill>
+          <a:blip r:embed="rId7" cstate="email">
+            <a:extLst>
+              <a:ext uri="{28A0092B-C50C-407E-A947-70E740481C1C}">
+                <a14:useLocalDpi xmlns:a14="http://schemas.microsoft.com/office/drawing/2010/main" val="0"/>
+              </a:ext>
+            </a:extLst>
+          </a:blip>
+          <a:srcRect/>
+          <a:stretch>
+            <a:fillRect/>
+          </a:stretch>
+        </p:blipFill>
+        <p:spPr bwMode="auto">
+          <a:xfrm>
+            <a:off x="24282043" y="18790864"/>
+            <a:ext cx="4507399" cy="4507399"/>
+          </a:xfrm>
+          <a:prstGeom prst="rect">
+            <a:avLst/>
+          </a:prstGeom>
+          <a:noFill/>
+          <a:extLst>
+            <a:ext uri="{909E8E84-426E-40DD-AFC4-6F175D3DCCD1}">
+              <a14:hiddenFill xmlns:a14="http://schemas.microsoft.com/office/drawing/2010/main">
+                <a:solidFill>
+                  <a:srgbClr val="FFFFFF"/>
+                </a:solidFill>
+              </a14:hiddenFill>
+            </a:ext>
+          </a:extLst>
+        </p:spPr>
+      </p:pic>
+      <p:sp>
+        <p:nvSpPr>
+          <p:cNvPr id="43" name="TextBox 42">
+            <a:extLst>
+              <a:ext uri="{FF2B5EF4-FFF2-40B4-BE49-F238E27FC236}">
+                <a16:creationId xmlns:a16="http://schemas.microsoft.com/office/drawing/2014/main" id="{A73DA6F8-6F67-4BB7-A4BB-B6B9BB44F712}"/>
+              </a:ext>
+            </a:extLst>
+          </p:cNvPr>
+          <p:cNvSpPr txBox="1"/>
+          <p:nvPr/>
+        </p:nvSpPr>
+        <p:spPr>
+          <a:xfrm>
+            <a:off x="24692676" y="15489495"/>
+            <a:ext cx="10993799" cy="3231654"/>
+          </a:xfrm>
+          <a:prstGeom prst="rect">
+            <a:avLst/>
+          </a:prstGeom>
+          <a:solidFill>
+            <a:schemeClr val="accent5">
+              <a:lumMod val="20000"/>
+              <a:lumOff val="80000"/>
+            </a:schemeClr>
+          </a:solidFill>
+        </p:spPr>
+        <p:txBody>
+          <a:bodyPr wrap="square" rtlCol="0">
+            <a:spAutoFit/>
+          </a:bodyPr>
+          <a:lstStyle/>
+          <a:p>
+            <a:r>
+              <a:rPr lang="en-US" sz="3400" dirty="0">
+                <a:latin typeface="Times New Roman" panose="02020603050405020304" pitchFamily="18" charset="0"/>
+                <a:cs typeface="Times New Roman" panose="02020603050405020304" pitchFamily="18" charset="0"/>
+              </a:rPr>
+              <a:t>Images of the test set up are taken with the rear camera of a Samsung Galaxy S10+. These images are then processed in </a:t>
+            </a:r>
+            <a:r>
+              <a:rPr lang="en-US" sz="3400" dirty="0" err="1">
+                <a:latin typeface="Times New Roman" panose="02020603050405020304" pitchFamily="18" charset="0"/>
+                <a:cs typeface="Times New Roman" panose="02020603050405020304" pitchFamily="18" charset="0"/>
+              </a:rPr>
+              <a:t>Hugin</a:t>
+            </a:r>
+            <a:r>
+              <a:rPr lang="en-US" sz="3400" dirty="0">
+                <a:latin typeface="Times New Roman" panose="02020603050405020304" pitchFamily="18" charset="0"/>
+                <a:cs typeface="Times New Roman" panose="02020603050405020304" pitchFamily="18" charset="0"/>
+              </a:rPr>
+              <a:t> to eliminate any perspective and barrel distortion. After this, FIJI (Fiji Is Just </a:t>
+            </a:r>
+            <a:r>
+              <a:rPr lang="en-US" sz="3400" dirty="0" err="1">
+                <a:latin typeface="Times New Roman" panose="02020603050405020304" pitchFamily="18" charset="0"/>
+                <a:cs typeface="Times New Roman" panose="02020603050405020304" pitchFamily="18" charset="0"/>
+              </a:rPr>
+              <a:t>Imagej</a:t>
+            </a:r>
+            <a:r>
+              <a:rPr lang="en-US" sz="3400" dirty="0">
+                <a:latin typeface="Times New Roman" panose="02020603050405020304" pitchFamily="18" charset="0"/>
+                <a:cs typeface="Times New Roman" panose="02020603050405020304" pitchFamily="18" charset="0"/>
+              </a:rPr>
+              <a:t>) is used to measure the angle of the knee, the moment arm length, and the angle of the force cell to the tibia.</a:t>
+            </a:r>
+          </a:p>
+        </p:txBody>
+      </p:sp>
+      <p:cxnSp>
+        <p:nvCxnSpPr>
+          <p:cNvPr id="44" name="Straight Connector 43">
+            <a:extLst>
+              <a:ext uri="{FF2B5EF4-FFF2-40B4-BE49-F238E27FC236}">
+                <a16:creationId xmlns:a16="http://schemas.microsoft.com/office/drawing/2014/main" id="{AC8AFC91-CEFD-462C-BC19-64378EEA5073}"/>
+              </a:ext>
+            </a:extLst>
+          </p:cNvPr>
+          <p:cNvCxnSpPr/>
+          <p:nvPr/>
+        </p:nvCxnSpPr>
+        <p:spPr>
+          <a:xfrm rot="5400000">
+            <a:off x="22979803" y="21403696"/>
+            <a:ext cx="28305886" cy="1514"/>
+          </a:xfrm>
+          <a:prstGeom prst="line">
+            <a:avLst/>
+          </a:prstGeom>
+          <a:ln w="50800" cap="flat" cmpd="sng" algn="ctr">
+            <a:solidFill>
+              <a:srgbClr val="6290C2"/>
+            </a:solidFill>
+            <a:prstDash val="solid"/>
+            <a:round/>
+            <a:headEnd type="none" w="med" len="med"/>
+            <a:tailEnd type="none" w="med" len="med"/>
+          </a:ln>
+          <a:effectLst/>
+        </p:spPr>
+        <p:style>
+          <a:lnRef idx="2">
+            <a:schemeClr val="accent1"/>
+          </a:lnRef>
+          <a:fillRef idx="0">
+            <a:schemeClr val="accent1"/>
+          </a:fillRef>
+          <a:effectRef idx="1">
+            <a:schemeClr val="accent1"/>
+          </a:effectRef>
+          <a:fontRef idx="minor">
+            <a:schemeClr val="tx1"/>
+          </a:fontRef>
+        </p:style>
+      </p:cxnSp>
+      <p:pic>
+        <p:nvPicPr>
+          <p:cNvPr id="40" name="Picture 39">
+            <a:extLst>
+              <a:ext uri="{FF2B5EF4-FFF2-40B4-BE49-F238E27FC236}">
+                <a16:creationId xmlns:a16="http://schemas.microsoft.com/office/drawing/2014/main" id="{677E26C0-230D-420E-A8F3-8135B234AD98}"/>
+              </a:ext>
+            </a:extLst>
+          </p:cNvPr>
+          <p:cNvPicPr>
+            <a:picLocks noChangeAspect="1"/>
+          </p:cNvPicPr>
+          <p:nvPr/>
+        </p:nvPicPr>
+        <p:blipFill rotWithShape="1">
+          <a:blip r:embed="rId8"/>
+          <a:srcRect l="2021" r="6602"/>
+          <a:stretch/>
+        </p:blipFill>
+        <p:spPr>
+          <a:xfrm>
+            <a:off x="21163596" y="24138810"/>
+            <a:ext cx="15568385" cy="9264073"/>
+          </a:xfrm>
+          <a:prstGeom prst="rect">
+            <a:avLst/>
+          </a:prstGeom>
+        </p:spPr>
+      </p:pic>
+      <p:pic>
+        <p:nvPicPr>
+          <p:cNvPr id="47" name="Picture 46" descr="A picture containing text, dirty&#10;&#10;Description automatically generated">
+            <a:extLst>
+              <a:ext uri="{FF2B5EF4-FFF2-40B4-BE49-F238E27FC236}">
+                <a16:creationId xmlns:a16="http://schemas.microsoft.com/office/drawing/2014/main" id="{8B0C12ED-3840-4AC3-8F98-C72B54840CE8}"/>
+              </a:ext>
+            </a:extLst>
+          </p:cNvPr>
+          <p:cNvPicPr>
+            <a:picLocks noChangeAspect="1"/>
+          </p:cNvPicPr>
+          <p:nvPr/>
+        </p:nvPicPr>
+        <p:blipFill rotWithShape="1">
+          <a:blip r:embed="rId9" cstate="email">
+            <a:extLst>
+              <a:ext uri="{28A0092B-C50C-407E-A947-70E740481C1C}">
+                <a14:useLocalDpi xmlns:a14="http://schemas.microsoft.com/office/drawing/2010/main" val="0"/>
+              </a:ext>
+            </a:extLst>
+          </a:blip>
+          <a:srcRect t="29311" r="14827"/>
+          <a:stretch/>
+        </p:blipFill>
+        <p:spPr>
+          <a:xfrm rot="5400000">
+            <a:off x="-622149" y="24507251"/>
+            <a:ext cx="12413404" cy="7726888"/>
+          </a:xfrm>
+          <a:prstGeom prst="rect">
+            <a:avLst/>
+          </a:prstGeom>
+        </p:spPr>
+      </p:pic>
+      <p:sp>
+        <p:nvSpPr>
+          <p:cNvPr id="48" name="TextBox 47">
+            <a:extLst>
+              <a:ext uri="{FF2B5EF4-FFF2-40B4-BE49-F238E27FC236}">
+                <a16:creationId xmlns:a16="http://schemas.microsoft.com/office/drawing/2014/main" id="{4C8CB2BA-9FDC-4F46-95AA-047112E4856A}"/>
+              </a:ext>
+            </a:extLst>
+          </p:cNvPr>
+          <p:cNvSpPr txBox="1"/>
+          <p:nvPr/>
+        </p:nvSpPr>
+        <p:spPr>
+          <a:xfrm>
+            <a:off x="6448220" y="25412151"/>
+            <a:ext cx="4087597" cy="1925803"/>
+          </a:xfrm>
+          <a:prstGeom prst="rect">
+            <a:avLst/>
+          </a:prstGeom>
+          <a:solidFill>
+            <a:schemeClr val="bg1">
+              <a:lumMod val="85000"/>
+            </a:schemeClr>
+          </a:solidFill>
+        </p:spPr>
+        <p:txBody>
+          <a:bodyPr wrap="square" lIns="435429" tIns="435429" rIns="435429" bIns="435429" rtlCol="0">
+            <a:spAutoFit/>
+          </a:bodyPr>
+          <a:lstStyle/>
+          <a:p>
+            <a:pPr algn="just">
+              <a:tabLst>
+                <a:tab pos="326578" algn="l"/>
+              </a:tabLst>
+            </a:pPr>
+            <a:r>
+              <a:rPr lang="en-GB" sz="3400" dirty="0">
+                <a:latin typeface="Times New Roman" panose="02020603050405020304" pitchFamily="18" charset="0"/>
+                <a:ea typeface="Times" panose="02020603050405020304" pitchFamily="18" charset="0"/>
+                <a:cs typeface="Times New Roman" panose="02020603050405020304" pitchFamily="18" charset="0"/>
+              </a:rPr>
+              <a:t>Isometric Knee Torque test jig.</a:t>
+            </a:r>
+            <a:endParaRPr lang="en-US" sz="3400" dirty="0">
+              <a:latin typeface="Times" panose="02020603050405020304" pitchFamily="18" charset="0"/>
+              <a:ea typeface="Times" panose="02020603050405020304" pitchFamily="18" charset="0"/>
+              <a:cs typeface="Times New Roman" panose="02020603050405020304" pitchFamily="18" charset="0"/>
+            </a:endParaRPr>
+          </a:p>
+        </p:txBody>
+      </p:sp>
+      <p:pic>
+        <p:nvPicPr>
+          <p:cNvPr id="50" name="Picture 49" descr="A picture containing metalware, gear&#10;&#10;Description automatically generated">
+            <a:extLst>
+              <a:ext uri="{FF2B5EF4-FFF2-40B4-BE49-F238E27FC236}">
+                <a16:creationId xmlns:a16="http://schemas.microsoft.com/office/drawing/2014/main" id="{59698EDE-DE98-49F8-A90A-54FD491AD2A6}"/>
+              </a:ext>
+            </a:extLst>
+          </p:cNvPr>
+          <p:cNvPicPr>
+            <a:picLocks noChangeAspect="1"/>
+          </p:cNvPicPr>
+          <p:nvPr/>
+        </p:nvPicPr>
+        <p:blipFill rotWithShape="1">
+          <a:blip r:embed="rId10" cstate="email">
+            <a:extLst>
+              <a:ext uri="{28A0092B-C50C-407E-A947-70E740481C1C}">
+                <a14:useLocalDpi xmlns:a14="http://schemas.microsoft.com/office/drawing/2010/main" val="0"/>
+              </a:ext>
+            </a:extLst>
+          </a:blip>
+          <a:srcRect l="38620" t="16114"/>
+          <a:stretch/>
+        </p:blipFill>
+        <p:spPr>
+          <a:xfrm>
+            <a:off x="25886359" y="11299648"/>
+            <a:ext cx="4699287" cy="3611318"/>
+          </a:xfrm>
+          <a:prstGeom prst="rect">
+            <a:avLst/>
+          </a:prstGeom>
+        </p:spPr>
+      </p:pic>
+      <p:pic>
+        <p:nvPicPr>
+          <p:cNvPr id="52" name="Picture 51" descr="Graphical user interface, application&#10;&#10;Description automatically generated">
+            <a:extLst>
+              <a:ext uri="{FF2B5EF4-FFF2-40B4-BE49-F238E27FC236}">
+                <a16:creationId xmlns:a16="http://schemas.microsoft.com/office/drawing/2014/main" id="{35C60390-0801-48E7-A214-95E50D538D35}"/>
+              </a:ext>
+            </a:extLst>
+          </p:cNvPr>
+          <p:cNvPicPr>
+            <a:picLocks noChangeAspect="1"/>
+          </p:cNvPicPr>
+          <p:nvPr/>
+        </p:nvPicPr>
+        <p:blipFill rotWithShape="1">
+          <a:blip r:embed="rId11">
+            <a:extLst>
+              <a:ext uri="{28A0092B-C50C-407E-A947-70E740481C1C}">
+                <a14:useLocalDpi xmlns:a14="http://schemas.microsoft.com/office/drawing/2010/main" val="0"/>
+              </a:ext>
+            </a:extLst>
+          </a:blip>
+          <a:srcRect l="32350" t="3144" r="29721" b="6285"/>
+          <a:stretch/>
+        </p:blipFill>
+        <p:spPr>
+          <a:xfrm>
+            <a:off x="30958396" y="7577719"/>
+            <a:ext cx="5765953" cy="6116444"/>
+          </a:xfrm>
+          <a:prstGeom prst="rect">
+            <a:avLst/>
+          </a:prstGeom>
+        </p:spPr>
+      </p:pic>
+      <p:pic>
+        <p:nvPicPr>
+          <p:cNvPr id="54" name="Picture 53" descr="Diagram&#10;&#10;Description automatically generated">
+            <a:extLst>
+              <a:ext uri="{FF2B5EF4-FFF2-40B4-BE49-F238E27FC236}">
+                <a16:creationId xmlns:a16="http://schemas.microsoft.com/office/drawing/2014/main" id="{DA91E629-84A3-4257-B631-5ED8C7A08DAF}"/>
               </a:ext>
             </a:extLst>
           </p:cNvPr>
@@ -4688,7 +5039,7 @@
           <p:nvPr/>
         </p:nvPicPr>
         <p:blipFill>
-          <a:blip r:embed="rId7">
+          <a:blip r:embed="rId12" cstate="email">
             <a:extLst>
               <a:ext uri="{28A0092B-C50C-407E-A947-70E740481C1C}">
                 <a14:useLocalDpi xmlns:a14="http://schemas.microsoft.com/office/drawing/2010/main" val="0"/>
@@ -4701,8 +5052,157 @@
         </p:blipFill>
         <p:spPr>
           <a:xfrm>
-            <a:off x="1764101" y="3779707"/>
-            <a:ext cx="11530020" cy="2306005"/>
+            <a:off x="25886359" y="7507282"/>
+            <a:ext cx="4043709" cy="3608553"/>
+          </a:xfrm>
+          <a:prstGeom prst="rect">
+            <a:avLst/>
+          </a:prstGeom>
+        </p:spPr>
+      </p:pic>
+      <p:pic>
+        <p:nvPicPr>
+          <p:cNvPr id="56" name="Picture 55">
+            <a:extLst>
+              <a:ext uri="{FF2B5EF4-FFF2-40B4-BE49-F238E27FC236}">
+                <a16:creationId xmlns:a16="http://schemas.microsoft.com/office/drawing/2014/main" id="{6A016764-F2CA-4749-BF8D-FD793861D7FD}"/>
+              </a:ext>
+            </a:extLst>
+          </p:cNvPr>
+          <p:cNvPicPr>
+            <a:picLocks noChangeAspect="1"/>
+          </p:cNvPicPr>
+          <p:nvPr/>
+        </p:nvPicPr>
+        <p:blipFill rotWithShape="1">
+          <a:blip r:embed="rId13"/>
+          <a:srcRect r="68228"/>
+          <a:stretch/>
+        </p:blipFill>
+        <p:spPr>
+          <a:xfrm>
+            <a:off x="37368381" y="11552106"/>
+            <a:ext cx="4367985" cy="5522809"/>
+          </a:xfrm>
+          <a:prstGeom prst="rect">
+            <a:avLst/>
+          </a:prstGeom>
+        </p:spPr>
+      </p:pic>
+      <p:pic>
+        <p:nvPicPr>
+          <p:cNvPr id="60" name="Picture 59">
+            <a:extLst>
+              <a:ext uri="{FF2B5EF4-FFF2-40B4-BE49-F238E27FC236}">
+                <a16:creationId xmlns:a16="http://schemas.microsoft.com/office/drawing/2014/main" id="{4386A8FD-F8F1-4067-AF17-A5D6F459CC12}"/>
+              </a:ext>
+            </a:extLst>
+          </p:cNvPr>
+          <p:cNvPicPr>
+            <a:picLocks noChangeAspect="1"/>
+          </p:cNvPicPr>
+          <p:nvPr/>
+        </p:nvPicPr>
+        <p:blipFill rotWithShape="1">
+          <a:blip r:embed="rId13"/>
+          <a:srcRect l="68213"/>
+          <a:stretch/>
+        </p:blipFill>
+        <p:spPr>
+          <a:xfrm>
+            <a:off x="43186422" y="11664683"/>
+            <a:ext cx="4280947" cy="5410232"/>
+          </a:xfrm>
+          <a:prstGeom prst="rect">
+            <a:avLst/>
+          </a:prstGeom>
+        </p:spPr>
+      </p:pic>
+      <p:sp>
+        <p:nvSpPr>
+          <p:cNvPr id="61" name="TextBox 60">
+            <a:extLst>
+              <a:ext uri="{FF2B5EF4-FFF2-40B4-BE49-F238E27FC236}">
+                <a16:creationId xmlns:a16="http://schemas.microsoft.com/office/drawing/2014/main" id="{93BBA7C8-0B2A-4198-9D7E-FD027B1D3592}"/>
+              </a:ext>
+            </a:extLst>
+          </p:cNvPr>
+          <p:cNvSpPr txBox="1"/>
+          <p:nvPr/>
+        </p:nvSpPr>
+        <p:spPr>
+          <a:xfrm>
+            <a:off x="37486195" y="17863519"/>
+            <a:ext cx="10420521" cy="1661993"/>
+          </a:xfrm>
+          <a:prstGeom prst="rect">
+            <a:avLst/>
+          </a:prstGeom>
+          <a:solidFill>
+            <a:schemeClr val="accent3">
+              <a:lumMod val="20000"/>
+              <a:lumOff val="80000"/>
+            </a:schemeClr>
+          </a:solidFill>
+        </p:spPr>
+        <p:txBody>
+          <a:bodyPr wrap="square" rtlCol="0">
+            <a:spAutoFit/>
+          </a:bodyPr>
+          <a:lstStyle/>
+          <a:p>
+            <a:pPr marL="0" marR="0" algn="just">
+              <a:spcBef>
+                <a:spcPts val="0"/>
+              </a:spcBef>
+              <a:spcAft>
+                <a:spcPts val="0"/>
+              </a:spcAft>
+            </a:pPr>
+            <a:r>
+              <a:rPr lang="en-GB" sz="3400" dirty="0">
+                <a:solidFill>
+                  <a:srgbClr val="000000"/>
+                </a:solidFill>
+                <a:effectLst/>
+                <a:latin typeface="Times New Roman" panose="02020603050405020304" pitchFamily="18" charset="0"/>
+                <a:ea typeface="Times New Roman" panose="02020603050405020304" pitchFamily="18" charset="0"/>
+                <a:cs typeface="Times New Roman" panose="02020603050405020304" pitchFamily="18" charset="0"/>
+              </a:rPr>
+              <a:t>Future work will involve testing the knee extensor muscle attached to a patella which creates added complexity in modelling and testing.</a:t>
+            </a:r>
+            <a:endParaRPr lang="en-US" sz="3400" dirty="0">
+              <a:effectLst/>
+              <a:latin typeface="Times" panose="02020603050405020304" pitchFamily="18" charset="0"/>
+              <a:ea typeface="Times" panose="02020603050405020304" pitchFamily="18" charset="0"/>
+              <a:cs typeface="Times New Roman" panose="02020603050405020304" pitchFamily="18" charset="0"/>
+            </a:endParaRPr>
+          </a:p>
+        </p:txBody>
+      </p:sp>
+      <p:pic>
+        <p:nvPicPr>
+          <p:cNvPr id="59" name="Picture 58">
+            <a:extLst>
+              <a:ext uri="{FF2B5EF4-FFF2-40B4-BE49-F238E27FC236}">
+                <a16:creationId xmlns:a16="http://schemas.microsoft.com/office/drawing/2014/main" id="{B49A3A96-770C-46AA-A7F6-513D7013F92A}"/>
+              </a:ext>
+            </a:extLst>
+          </p:cNvPr>
+          <p:cNvPicPr>
+            <a:picLocks noChangeAspect="1"/>
+          </p:cNvPicPr>
+          <p:nvPr/>
+        </p:nvPicPr>
+        <p:blipFill rotWithShape="1">
+          <a:blip r:embed="rId13"/>
+          <a:srcRect l="41311" t="33310" r="33048" b="24858"/>
+          <a:stretch/>
+        </p:blipFill>
+        <p:spPr>
+          <a:xfrm>
+            <a:off x="40629908" y="14704067"/>
+            <a:ext cx="4133093" cy="2708865"/>
           </a:xfrm>
           <a:prstGeom prst="rect">
             <a:avLst/>
